--- a/Slides-RPR/2019-H1-DAA-L05-Algo-Performance.pptx
+++ b/Slides-RPR/2019-H1-DAA-L05-Algo-Performance.pptx
@@ -2348,17 +2348,7 @@
               <a:defRPr sz="3000"/>
             </a:pPr>
             <a:r>
-              <a:t>Consider sum of n numbers</a:t>
-            </a:r>
-          </a:p>
-          <a:p>
-            <a:pPr lvl="1">
-              <a:spcBef>
-                <a:spcPts val="200"/>
-              </a:spcBef>
-            </a:pPr>
-            <a:r>
-              <a:t>Total sum operations </a:t>
+              <a:t>Consider sum of </a:t>
             </a:r>
             <a:r>
               <a:rPr>
@@ -2367,16 +2357,29 @@
                 <a:cs typeface="Courier New"/>
                 <a:sym typeface="Courier New"/>
               </a:rPr>
-              <a:t>C(n)= n(n+1)/2 ≈ n</a:t>
-            </a:r>
-            <a:r>
-              <a:rPr baseline="31999">
+              <a:t>n</a:t>
+            </a:r>
+            <a:r>
+              <a:t> numbers</a:t>
+            </a:r>
+          </a:p>
+          <a:p>
+            <a:pPr lvl="1">
+              <a:spcBef>
+                <a:spcPts val="200"/>
+              </a:spcBef>
+            </a:pPr>
+            <a:r>
+              <a:t>Total sum operations </a:t>
+            </a:r>
+            <a:r>
+              <a:rPr>
                 <a:latin typeface="Courier New"/>
                 <a:ea typeface="Courier New"/>
                 <a:cs typeface="Courier New"/>
                 <a:sym typeface="Courier New"/>
               </a:rPr>
-              <a:t>2</a:t>
+              <a:t>C(n)= n-1 ≈ n</a:t>
             </a:r>
             <a:endParaRPr baseline="31999">
               <a:latin typeface="Courier New"/>
@@ -2436,15 +2439,6 @@
               </a:rPr>
               <a:t>n</a:t>
             </a:r>
-            <a:r>
-              <a:rPr baseline="31999">
-                <a:latin typeface="Courier New"/>
-                <a:ea typeface="Courier New"/>
-                <a:cs typeface="Courier New"/>
-                <a:sym typeface="Courier New"/>
-              </a:rPr>
-              <a:t>2</a:t>
-            </a:r>
             <a:endParaRPr baseline="31999">
               <a:latin typeface="Courier New"/>
               <a:ea typeface="Courier New"/>
@@ -2501,25 +2495,7 @@
                 <a:cs typeface="Courier New"/>
                 <a:sym typeface="Courier New"/>
               </a:rPr>
-              <a:t>(2n)</a:t>
-            </a:r>
-            <a:r>
-              <a:rPr baseline="31999">
-                <a:latin typeface="Courier New"/>
-                <a:ea typeface="Courier New"/>
-                <a:cs typeface="Courier New"/>
-                <a:sym typeface="Courier New"/>
-              </a:rPr>
-              <a:t>2</a:t>
-            </a:r>
-            <a:r>
-              <a:rPr>
-                <a:latin typeface="Courier New"/>
-                <a:ea typeface="Courier New"/>
-                <a:cs typeface="Courier New"/>
-                <a:sym typeface="Courier New"/>
-              </a:rPr>
-              <a:t>=</a:t>
+              <a:t>(2n)=</a:t>
             </a:r>
             <a:r>
               <a:t> </a:t>
@@ -2549,7 +2525,7 @@
                 <a:cs typeface="Courier New"/>
                 <a:sym typeface="Courier New"/>
               </a:rPr>
-              <a:t>4</a:t>
+              <a:t>2</a:t>
             </a:r>
             <a:r>
               <a:rPr>
@@ -2560,15 +2536,6 @@
               </a:rPr>
               <a:t>n</a:t>
             </a:r>
-            <a:r>
-              <a:rPr baseline="31999">
-                <a:latin typeface="Courier New"/>
-                <a:ea typeface="Courier New"/>
-                <a:cs typeface="Courier New"/>
-                <a:sym typeface="Courier New"/>
-              </a:rPr>
-              <a:t>2</a:t>
-            </a:r>
             <a:endParaRPr baseline="31999">
               <a:latin typeface="Courier New"/>
               <a:ea typeface="Courier New"/>
@@ -2589,7 +2556,7 @@
                 <a:cs typeface="Courier New"/>
                 <a:sym typeface="Courier New"/>
               </a:rPr>
-              <a:t>T(2n)/T(n) = 4</a:t>
+              <a:t>T(2n)/T(n) = 2</a:t>
             </a:r>
             <a:endParaRPr>
               <a:latin typeface="Courier New"/>
@@ -2611,7 +2578,7 @@
                 <a:cs typeface="Courier New"/>
                 <a:sym typeface="Courier New"/>
               </a:rPr>
-              <a:t>T(10n)/T(n) = 100</a:t>
+              <a:t>T(10n)/T(n) = 10</a:t>
             </a:r>
             <a:endParaRPr>
               <a:latin typeface="Courier New"/>
@@ -4251,7 +4218,19 @@
               <a:defRPr sz="3000"/>
             </a:pPr>
             <a:r>
-              <a:t>Algorithm: SequentialSearch(A[0..n-1],K)</a:t>
+              <a:t>Algorithm: SequentialSearch(</a:t>
+            </a:r>
+            <a:r>
+              <a:rPr>
+                <a:latin typeface="Courier New"/>
+                <a:ea typeface="Courier New"/>
+                <a:cs typeface="Courier New"/>
+                <a:sym typeface="Courier New"/>
+              </a:rPr>
+              <a:t>A[0..n-1],K</a:t>
+            </a:r>
+            <a:r>
+              <a:t>)</a:t>
             </a:r>
           </a:p>
           <a:p>
@@ -4277,7 +4256,28 @@
               <a:defRPr sz="2600"/>
             </a:pPr>
             <a:r>
-              <a:t>// Input:  an array A[0..n-1], and key K</a:t>
+              <a:t>// Input:  an array </a:t>
+            </a:r>
+            <a:r>
+              <a:rPr>
+                <a:latin typeface="Courier New"/>
+                <a:ea typeface="Courier New"/>
+                <a:cs typeface="Courier New"/>
+                <a:sym typeface="Courier New"/>
+              </a:rPr>
+              <a:t>A[0..n-1]</a:t>
+            </a:r>
+            <a:r>
+              <a:t>, and key </a:t>
+            </a:r>
+            <a:r>
+              <a:rPr>
+                <a:latin typeface="Courier New"/>
+                <a:ea typeface="Courier New"/>
+                <a:cs typeface="Courier New"/>
+                <a:sym typeface="Courier New"/>
+              </a:rPr>
+              <a:t>K</a:t>
             </a:r>
           </a:p>
           <a:p>
@@ -4303,7 +4303,19 @@
               <a:defRPr sz="2600"/>
             </a:pPr>
             <a:r>
-              <a:t>//             -1, if element is not found</a:t>
+              <a:t>//            </a:t>
+            </a:r>
+            <a:r>
+              <a:rPr>
+                <a:latin typeface="Courier New"/>
+                <a:ea typeface="Courier New"/>
+                <a:cs typeface="Courier New"/>
+                <a:sym typeface="Courier New"/>
+              </a:rPr>
+              <a:t> -1</a:t>
+            </a:r>
+            <a:r>
+              <a:t>, if element is not found</a:t>
             </a:r>
           </a:p>
           <a:p>
@@ -4638,6 +4650,691 @@
     <a:masterClrMapping/>
   </p:clrMapOvr>
   <p:transition xmlns:p14="http://schemas.microsoft.com/office/powerpoint/2010/main" spd="med" advClick="1"/>
+  <p:timing>
+    <p:tnLst>
+      <p:par>
+        <p:cTn id="1" nodeType="tmRoot" restart="never" dur="indefinite" fill="hold">
+          <p:childTnLst>
+            <p:seq concurrent="1" prevAc="none" nextAc="seek">
+              <p:cTn id="2" nodeType="mainSeq" dur="indefinite" fill="hold">
+                <p:childTnLst>
+                  <p:par>
+                    <p:cTn id="3" fill="hold">
+                      <p:stCondLst>
+                        <p:cond delay="indefinite"/>
+                      </p:stCondLst>
+                      <p:childTnLst>
+                        <p:par>
+                          <p:cTn id="4" fill="hold">
+                            <p:stCondLst>
+                              <p:cond delay="0"/>
+                            </p:stCondLst>
+                            <p:childTnLst>
+                              <p:par>
+                                <p:cTn id="5" presetClass="entr" nodeType="clickEffect" presetSubtype="0" presetID="1" grpId="1" fill="hold">
+                                  <p:stCondLst>
+                                    <p:cond delay="0"/>
+                                  </p:stCondLst>
+                                  <p:iterate type="el" backwards="0">
+                                    <p:tmAbs val="0"/>
+                                  </p:iterate>
+                                  <p:childTnLst>
+                                    <p:set>
+                                      <p:cBhvr>
+                                        <p:cTn id="6" fill="hold"/>
+                                        <p:tgtEl>
+                                          <p:spTgt spid="99">
+                                            <p:bg/>
+                                          </p:spTgt>
+                                        </p:tgtEl>
+                                        <p:attrNameLst>
+                                          <p:attrName>style.visibility</p:attrName>
+                                        </p:attrNameLst>
+                                      </p:cBhvr>
+                                      <p:to>
+                                        <p:strVal val="visible"/>
+                                      </p:to>
+                                    </p:set>
+                                  </p:childTnLst>
+                                </p:cTn>
+                              </p:par>
+                              <p:par>
+                                <p:cTn id="7" presetClass="entr" nodeType="withEffect" presetSubtype="0" presetID="1" grpId="1" fill="hold">
+                                  <p:stCondLst>
+                                    <p:cond delay="0"/>
+                                  </p:stCondLst>
+                                  <p:iterate type="el" backwards="0">
+                                    <p:tmAbs val="0"/>
+                                  </p:iterate>
+                                  <p:childTnLst>
+                                    <p:set>
+                                      <p:cBhvr>
+                                        <p:cTn id="8" fill="hold"/>
+                                        <p:tgtEl>
+                                          <p:spTgt spid="99">
+                                            <p:txEl>
+                                              <p:pRg st="0" end="0"/>
+                                            </p:txEl>
+                                          </p:spTgt>
+                                        </p:tgtEl>
+                                        <p:attrNameLst>
+                                          <p:attrName>style.visibility</p:attrName>
+                                        </p:attrNameLst>
+                                      </p:cBhvr>
+                                      <p:to>
+                                        <p:strVal val="visible"/>
+                                      </p:to>
+                                    </p:set>
+                                  </p:childTnLst>
+                                </p:cTn>
+                              </p:par>
+                            </p:childTnLst>
+                          </p:cTn>
+                        </p:par>
+                      </p:childTnLst>
+                    </p:cTn>
+                  </p:par>
+                  <p:par>
+                    <p:cTn id="9" fill="hold">
+                      <p:stCondLst>
+                        <p:cond delay="indefinite"/>
+                      </p:stCondLst>
+                      <p:childTnLst>
+                        <p:par>
+                          <p:cTn id="10" fill="hold">
+                            <p:stCondLst>
+                              <p:cond delay="0"/>
+                            </p:stCondLst>
+                            <p:childTnLst>
+                              <p:par>
+                                <p:cTn id="11" presetClass="entr" nodeType="clickEffect" presetSubtype="0" presetID="1" grpId="1" fill="hold">
+                                  <p:stCondLst>
+                                    <p:cond delay="0"/>
+                                  </p:stCondLst>
+                                  <p:iterate type="el" backwards="0">
+                                    <p:tmAbs val="0"/>
+                                  </p:iterate>
+                                  <p:childTnLst>
+                                    <p:set>
+                                      <p:cBhvr>
+                                        <p:cTn id="12" fill="hold"/>
+                                        <p:tgtEl>
+                                          <p:spTgt spid="99">
+                                            <p:txEl>
+                                              <p:pRg st="1" end="1"/>
+                                            </p:txEl>
+                                          </p:spTgt>
+                                        </p:tgtEl>
+                                        <p:attrNameLst>
+                                          <p:attrName>style.visibility</p:attrName>
+                                        </p:attrNameLst>
+                                      </p:cBhvr>
+                                      <p:to>
+                                        <p:strVal val="visible"/>
+                                      </p:to>
+                                    </p:set>
+                                  </p:childTnLst>
+                                </p:cTn>
+                              </p:par>
+                            </p:childTnLst>
+                          </p:cTn>
+                        </p:par>
+                      </p:childTnLst>
+                    </p:cTn>
+                  </p:par>
+                  <p:par>
+                    <p:cTn id="13" fill="hold">
+                      <p:stCondLst>
+                        <p:cond delay="indefinite"/>
+                      </p:stCondLst>
+                      <p:childTnLst>
+                        <p:par>
+                          <p:cTn id="14" fill="hold">
+                            <p:stCondLst>
+                              <p:cond delay="0"/>
+                            </p:stCondLst>
+                            <p:childTnLst>
+                              <p:par>
+                                <p:cTn id="15" presetClass="entr" nodeType="clickEffect" presetSubtype="0" presetID="1" grpId="1" fill="hold">
+                                  <p:stCondLst>
+                                    <p:cond delay="0"/>
+                                  </p:stCondLst>
+                                  <p:iterate type="el" backwards="0">
+                                    <p:tmAbs val="0"/>
+                                  </p:iterate>
+                                  <p:childTnLst>
+                                    <p:set>
+                                      <p:cBhvr>
+                                        <p:cTn id="16" fill="hold"/>
+                                        <p:tgtEl>
+                                          <p:spTgt spid="99">
+                                            <p:txEl>
+                                              <p:pRg st="2" end="2"/>
+                                            </p:txEl>
+                                          </p:spTgt>
+                                        </p:tgtEl>
+                                        <p:attrNameLst>
+                                          <p:attrName>style.visibility</p:attrName>
+                                        </p:attrNameLst>
+                                      </p:cBhvr>
+                                      <p:to>
+                                        <p:strVal val="visible"/>
+                                      </p:to>
+                                    </p:set>
+                                  </p:childTnLst>
+                                </p:cTn>
+                              </p:par>
+                            </p:childTnLst>
+                          </p:cTn>
+                        </p:par>
+                      </p:childTnLst>
+                    </p:cTn>
+                  </p:par>
+                  <p:par>
+                    <p:cTn id="17" fill="hold">
+                      <p:stCondLst>
+                        <p:cond delay="indefinite"/>
+                      </p:stCondLst>
+                      <p:childTnLst>
+                        <p:par>
+                          <p:cTn id="18" fill="hold">
+                            <p:stCondLst>
+                              <p:cond delay="0"/>
+                            </p:stCondLst>
+                            <p:childTnLst>
+                              <p:par>
+                                <p:cTn id="19" presetClass="entr" nodeType="clickEffect" presetSubtype="0" presetID="1" grpId="1" fill="hold">
+                                  <p:stCondLst>
+                                    <p:cond delay="0"/>
+                                  </p:stCondLst>
+                                  <p:iterate type="el" backwards="0">
+                                    <p:tmAbs val="0"/>
+                                  </p:iterate>
+                                  <p:childTnLst>
+                                    <p:set>
+                                      <p:cBhvr>
+                                        <p:cTn id="20" fill="hold"/>
+                                        <p:tgtEl>
+                                          <p:spTgt spid="99">
+                                            <p:txEl>
+                                              <p:pRg st="3" end="3"/>
+                                            </p:txEl>
+                                          </p:spTgt>
+                                        </p:tgtEl>
+                                        <p:attrNameLst>
+                                          <p:attrName>style.visibility</p:attrName>
+                                        </p:attrNameLst>
+                                      </p:cBhvr>
+                                      <p:to>
+                                        <p:strVal val="visible"/>
+                                      </p:to>
+                                    </p:set>
+                                  </p:childTnLst>
+                                </p:cTn>
+                              </p:par>
+                            </p:childTnLst>
+                          </p:cTn>
+                        </p:par>
+                      </p:childTnLst>
+                    </p:cTn>
+                  </p:par>
+                  <p:par>
+                    <p:cTn id="21" fill="hold">
+                      <p:stCondLst>
+                        <p:cond delay="indefinite"/>
+                      </p:stCondLst>
+                      <p:childTnLst>
+                        <p:par>
+                          <p:cTn id="22" fill="hold">
+                            <p:stCondLst>
+                              <p:cond delay="0"/>
+                            </p:stCondLst>
+                            <p:childTnLst>
+                              <p:par>
+                                <p:cTn id="23" presetClass="entr" nodeType="clickEffect" presetSubtype="0" presetID="1" grpId="1" fill="hold">
+                                  <p:stCondLst>
+                                    <p:cond delay="0"/>
+                                  </p:stCondLst>
+                                  <p:iterate type="el" backwards="0">
+                                    <p:tmAbs val="0"/>
+                                  </p:iterate>
+                                  <p:childTnLst>
+                                    <p:set>
+                                      <p:cBhvr>
+                                        <p:cTn id="24" fill="hold"/>
+                                        <p:tgtEl>
+                                          <p:spTgt spid="99">
+                                            <p:txEl>
+                                              <p:pRg st="4" end="4"/>
+                                            </p:txEl>
+                                          </p:spTgt>
+                                        </p:tgtEl>
+                                        <p:attrNameLst>
+                                          <p:attrName>style.visibility</p:attrName>
+                                        </p:attrNameLst>
+                                      </p:cBhvr>
+                                      <p:to>
+                                        <p:strVal val="visible"/>
+                                      </p:to>
+                                    </p:set>
+                                  </p:childTnLst>
+                                </p:cTn>
+                              </p:par>
+                            </p:childTnLst>
+                          </p:cTn>
+                        </p:par>
+                      </p:childTnLst>
+                    </p:cTn>
+                  </p:par>
+                  <p:par>
+                    <p:cTn id="25" fill="hold">
+                      <p:stCondLst>
+                        <p:cond delay="indefinite"/>
+                      </p:stCondLst>
+                      <p:childTnLst>
+                        <p:par>
+                          <p:cTn id="26" fill="hold">
+                            <p:stCondLst>
+                              <p:cond delay="0"/>
+                            </p:stCondLst>
+                            <p:childTnLst>
+                              <p:par>
+                                <p:cTn id="27" presetClass="entr" nodeType="clickEffect" presetSubtype="0" presetID="1" grpId="1" fill="hold">
+                                  <p:stCondLst>
+                                    <p:cond delay="0"/>
+                                  </p:stCondLst>
+                                  <p:iterate type="el" backwards="0">
+                                    <p:tmAbs val="0"/>
+                                  </p:iterate>
+                                  <p:childTnLst>
+                                    <p:set>
+                                      <p:cBhvr>
+                                        <p:cTn id="28" fill="hold"/>
+                                        <p:tgtEl>
+                                          <p:spTgt spid="99">
+                                            <p:txEl>
+                                              <p:pRg st="5" end="5"/>
+                                            </p:txEl>
+                                          </p:spTgt>
+                                        </p:tgtEl>
+                                        <p:attrNameLst>
+                                          <p:attrName>style.visibility</p:attrName>
+                                        </p:attrNameLst>
+                                      </p:cBhvr>
+                                      <p:to>
+                                        <p:strVal val="visible"/>
+                                      </p:to>
+                                    </p:set>
+                                  </p:childTnLst>
+                                </p:cTn>
+                              </p:par>
+                            </p:childTnLst>
+                          </p:cTn>
+                        </p:par>
+                      </p:childTnLst>
+                    </p:cTn>
+                  </p:par>
+                  <p:par>
+                    <p:cTn id="29" fill="hold">
+                      <p:stCondLst>
+                        <p:cond delay="indefinite"/>
+                      </p:stCondLst>
+                      <p:childTnLst>
+                        <p:par>
+                          <p:cTn id="30" fill="hold">
+                            <p:stCondLst>
+                              <p:cond delay="0"/>
+                            </p:stCondLst>
+                            <p:childTnLst>
+                              <p:par>
+                                <p:cTn id="31" presetClass="entr" nodeType="clickEffect" presetSubtype="0" presetID="1" grpId="1" fill="hold">
+                                  <p:stCondLst>
+                                    <p:cond delay="0"/>
+                                  </p:stCondLst>
+                                  <p:iterate type="el" backwards="0">
+                                    <p:tmAbs val="0"/>
+                                  </p:iterate>
+                                  <p:childTnLst>
+                                    <p:set>
+                                      <p:cBhvr>
+                                        <p:cTn id="32" fill="hold"/>
+                                        <p:tgtEl>
+                                          <p:spTgt spid="99">
+                                            <p:txEl>
+                                              <p:pRg st="6" end="6"/>
+                                            </p:txEl>
+                                          </p:spTgt>
+                                        </p:tgtEl>
+                                        <p:attrNameLst>
+                                          <p:attrName>style.visibility</p:attrName>
+                                        </p:attrNameLst>
+                                      </p:cBhvr>
+                                      <p:to>
+                                        <p:strVal val="visible"/>
+                                      </p:to>
+                                    </p:set>
+                                  </p:childTnLst>
+                                </p:cTn>
+                              </p:par>
+                            </p:childTnLst>
+                          </p:cTn>
+                        </p:par>
+                      </p:childTnLst>
+                    </p:cTn>
+                  </p:par>
+                  <p:par>
+                    <p:cTn id="33" fill="hold">
+                      <p:stCondLst>
+                        <p:cond delay="indefinite"/>
+                      </p:stCondLst>
+                      <p:childTnLst>
+                        <p:par>
+                          <p:cTn id="34" fill="hold">
+                            <p:stCondLst>
+                              <p:cond delay="0"/>
+                            </p:stCondLst>
+                            <p:childTnLst>
+                              <p:par>
+                                <p:cTn id="35" presetClass="entr" nodeType="clickEffect" presetSubtype="0" presetID="1" grpId="1" fill="hold">
+                                  <p:stCondLst>
+                                    <p:cond delay="0"/>
+                                  </p:stCondLst>
+                                  <p:iterate type="el" backwards="0">
+                                    <p:tmAbs val="0"/>
+                                  </p:iterate>
+                                  <p:childTnLst>
+                                    <p:set>
+                                      <p:cBhvr>
+                                        <p:cTn id="36" fill="hold"/>
+                                        <p:tgtEl>
+                                          <p:spTgt spid="99">
+                                            <p:txEl>
+                                              <p:pRg st="7" end="7"/>
+                                            </p:txEl>
+                                          </p:spTgt>
+                                        </p:tgtEl>
+                                        <p:attrNameLst>
+                                          <p:attrName>style.visibility</p:attrName>
+                                        </p:attrNameLst>
+                                      </p:cBhvr>
+                                      <p:to>
+                                        <p:strVal val="visible"/>
+                                      </p:to>
+                                    </p:set>
+                                  </p:childTnLst>
+                                </p:cTn>
+                              </p:par>
+                            </p:childTnLst>
+                          </p:cTn>
+                        </p:par>
+                      </p:childTnLst>
+                    </p:cTn>
+                  </p:par>
+                  <p:par>
+                    <p:cTn id="37" fill="hold">
+                      <p:stCondLst>
+                        <p:cond delay="indefinite"/>
+                      </p:stCondLst>
+                      <p:childTnLst>
+                        <p:par>
+                          <p:cTn id="38" fill="hold">
+                            <p:stCondLst>
+                              <p:cond delay="0"/>
+                            </p:stCondLst>
+                            <p:childTnLst>
+                              <p:par>
+                                <p:cTn id="39" presetClass="entr" nodeType="clickEffect" presetSubtype="0" presetID="1" grpId="1" fill="hold">
+                                  <p:stCondLst>
+                                    <p:cond delay="0"/>
+                                  </p:stCondLst>
+                                  <p:iterate type="el" backwards="0">
+                                    <p:tmAbs val="0"/>
+                                  </p:iterate>
+                                  <p:childTnLst>
+                                    <p:set>
+                                      <p:cBhvr>
+                                        <p:cTn id="40" fill="hold"/>
+                                        <p:tgtEl>
+                                          <p:spTgt spid="99">
+                                            <p:txEl>
+                                              <p:pRg st="8" end="8"/>
+                                            </p:txEl>
+                                          </p:spTgt>
+                                        </p:tgtEl>
+                                        <p:attrNameLst>
+                                          <p:attrName>style.visibility</p:attrName>
+                                        </p:attrNameLst>
+                                      </p:cBhvr>
+                                      <p:to>
+                                        <p:strVal val="visible"/>
+                                      </p:to>
+                                    </p:set>
+                                  </p:childTnLst>
+                                </p:cTn>
+                              </p:par>
+                            </p:childTnLst>
+                          </p:cTn>
+                        </p:par>
+                      </p:childTnLst>
+                    </p:cTn>
+                  </p:par>
+                  <p:par>
+                    <p:cTn id="41" fill="hold">
+                      <p:stCondLst>
+                        <p:cond delay="indefinite"/>
+                      </p:stCondLst>
+                      <p:childTnLst>
+                        <p:par>
+                          <p:cTn id="42" fill="hold">
+                            <p:stCondLst>
+                              <p:cond delay="0"/>
+                            </p:stCondLst>
+                            <p:childTnLst>
+                              <p:par>
+                                <p:cTn id="43" presetClass="entr" nodeType="clickEffect" presetSubtype="0" presetID="1" grpId="1" fill="hold">
+                                  <p:stCondLst>
+                                    <p:cond delay="0"/>
+                                  </p:stCondLst>
+                                  <p:iterate type="el" backwards="0">
+                                    <p:tmAbs val="0"/>
+                                  </p:iterate>
+                                  <p:childTnLst>
+                                    <p:set>
+                                      <p:cBhvr>
+                                        <p:cTn id="44" fill="hold"/>
+                                        <p:tgtEl>
+                                          <p:spTgt spid="99">
+                                            <p:txEl>
+                                              <p:pRg st="9" end="9"/>
+                                            </p:txEl>
+                                          </p:spTgt>
+                                        </p:tgtEl>
+                                        <p:attrNameLst>
+                                          <p:attrName>style.visibility</p:attrName>
+                                        </p:attrNameLst>
+                                      </p:cBhvr>
+                                      <p:to>
+                                        <p:strVal val="visible"/>
+                                      </p:to>
+                                    </p:set>
+                                  </p:childTnLst>
+                                </p:cTn>
+                              </p:par>
+                            </p:childTnLst>
+                          </p:cTn>
+                        </p:par>
+                      </p:childTnLst>
+                    </p:cTn>
+                  </p:par>
+                  <p:par>
+                    <p:cTn id="45" fill="hold">
+                      <p:stCondLst>
+                        <p:cond delay="indefinite"/>
+                      </p:stCondLst>
+                      <p:childTnLst>
+                        <p:par>
+                          <p:cTn id="46" fill="hold">
+                            <p:stCondLst>
+                              <p:cond delay="0"/>
+                            </p:stCondLst>
+                            <p:childTnLst>
+                              <p:par>
+                                <p:cTn id="47" presetClass="entr" nodeType="clickEffect" presetSubtype="0" presetID="1" grpId="1" fill="hold">
+                                  <p:stCondLst>
+                                    <p:cond delay="0"/>
+                                  </p:stCondLst>
+                                  <p:iterate type="el" backwards="0">
+                                    <p:tmAbs val="0"/>
+                                  </p:iterate>
+                                  <p:childTnLst>
+                                    <p:set>
+                                      <p:cBhvr>
+                                        <p:cTn id="48" fill="hold"/>
+                                        <p:tgtEl>
+                                          <p:spTgt spid="99">
+                                            <p:txEl>
+                                              <p:pRg st="10" end="10"/>
+                                            </p:txEl>
+                                          </p:spTgt>
+                                        </p:tgtEl>
+                                        <p:attrNameLst>
+                                          <p:attrName>style.visibility</p:attrName>
+                                        </p:attrNameLst>
+                                      </p:cBhvr>
+                                      <p:to>
+                                        <p:strVal val="visible"/>
+                                      </p:to>
+                                    </p:set>
+                                  </p:childTnLst>
+                                </p:cTn>
+                              </p:par>
+                            </p:childTnLst>
+                          </p:cTn>
+                        </p:par>
+                      </p:childTnLst>
+                    </p:cTn>
+                  </p:par>
+                  <p:par>
+                    <p:cTn id="49" fill="hold">
+                      <p:stCondLst>
+                        <p:cond delay="indefinite"/>
+                      </p:stCondLst>
+                      <p:childTnLst>
+                        <p:par>
+                          <p:cTn id="50" fill="hold">
+                            <p:stCondLst>
+                              <p:cond delay="0"/>
+                            </p:stCondLst>
+                            <p:childTnLst>
+                              <p:par>
+                                <p:cTn id="51" presetClass="entr" nodeType="clickEffect" presetSubtype="0" presetID="1" grpId="1" fill="hold">
+                                  <p:stCondLst>
+                                    <p:cond delay="0"/>
+                                  </p:stCondLst>
+                                  <p:iterate type="el" backwards="0">
+                                    <p:tmAbs val="0"/>
+                                  </p:iterate>
+                                  <p:childTnLst>
+                                    <p:set>
+                                      <p:cBhvr>
+                                        <p:cTn id="52" fill="hold"/>
+                                        <p:tgtEl>
+                                          <p:spTgt spid="99">
+                                            <p:txEl>
+                                              <p:pRg st="11" end="11"/>
+                                            </p:txEl>
+                                          </p:spTgt>
+                                        </p:tgtEl>
+                                        <p:attrNameLst>
+                                          <p:attrName>style.visibility</p:attrName>
+                                        </p:attrNameLst>
+                                      </p:cBhvr>
+                                      <p:to>
+                                        <p:strVal val="visible"/>
+                                      </p:to>
+                                    </p:set>
+                                  </p:childTnLst>
+                                </p:cTn>
+                              </p:par>
+                            </p:childTnLst>
+                          </p:cTn>
+                        </p:par>
+                      </p:childTnLst>
+                    </p:cTn>
+                  </p:par>
+                  <p:par>
+                    <p:cTn id="53" fill="hold">
+                      <p:stCondLst>
+                        <p:cond delay="indefinite"/>
+                      </p:stCondLst>
+                      <p:childTnLst>
+                        <p:par>
+                          <p:cTn id="54" fill="hold">
+                            <p:stCondLst>
+                              <p:cond delay="0"/>
+                            </p:stCondLst>
+                            <p:childTnLst>
+                              <p:par>
+                                <p:cTn id="55" presetClass="entr" nodeType="clickEffect" presetSubtype="0" presetID="1" grpId="1" fill="hold">
+                                  <p:stCondLst>
+                                    <p:cond delay="0"/>
+                                  </p:stCondLst>
+                                  <p:iterate type="el" backwards="0">
+                                    <p:tmAbs val="0"/>
+                                  </p:iterate>
+                                  <p:childTnLst>
+                                    <p:set>
+                                      <p:cBhvr>
+                                        <p:cTn id="56" fill="hold"/>
+                                        <p:tgtEl>
+                                          <p:spTgt spid="99">
+                                            <p:txEl>
+                                              <p:pRg st="12" end="12"/>
+                                            </p:txEl>
+                                          </p:spTgt>
+                                        </p:tgtEl>
+                                        <p:attrNameLst>
+                                          <p:attrName>style.visibility</p:attrName>
+                                        </p:attrNameLst>
+                                      </p:cBhvr>
+                                      <p:to>
+                                        <p:strVal val="visible"/>
+                                      </p:to>
+                                    </p:set>
+                                  </p:childTnLst>
+                                </p:cTn>
+                              </p:par>
+                            </p:childTnLst>
+                          </p:cTn>
+                        </p:par>
+                      </p:childTnLst>
+                    </p:cTn>
+                  </p:par>
+                </p:childTnLst>
+              </p:cTn>
+              <p:prevCondLst>
+                <p:cond evt="onPrev">
+                  <p:tgtEl>
+                    <p:sldTgt/>
+                  </p:tgtEl>
+                </p:cond>
+              </p:prevCondLst>
+              <p:nextCondLst>
+                <p:cond evt="onNext">
+                  <p:tgtEl>
+                    <p:sldTgt/>
+                  </p:tgtEl>
+                </p:cond>
+              </p:nextCondLst>
+            </p:seq>
+          </p:childTnLst>
+        </p:cTn>
+      </p:par>
+    </p:tnLst>
+    <p:bldLst>
+      <p:bldP build="p" bldLvl="5" animBg="1" rev="0" advAuto="0" spid="99" grpId="1"/>
+    </p:bldLst>
+  </p:timing>
 </p:sld>
 </file>
 
@@ -7208,8 +7905,8 @@
               </a:tblPr>
               <a:tblGrid>
                 <a:gridCol w="661797"/>
-                <a:gridCol w="893043"/>
-                <a:gridCol w="1038661"/>
+                <a:gridCol w="1062376"/>
+                <a:gridCol w="869327"/>
                 <a:gridCol w="774093"/>
                 <a:gridCol w="1150004"/>
                 <a:gridCol w="842291"/>
@@ -9309,7 +10006,7 @@
       </p:grpSpPr>
       <p:sp>
         <p:nvSpPr>
-          <p:cNvPr id="128" name="Summary : Analysis Framework"/>
+          <p:cNvPr id="128" name="Exercises - A"/>
           <p:cNvSpPr txBox="1"/>
           <p:nvPr>
             <p:ph type="title"/>
@@ -9326,14 +10023,14 @@
           <a:p>
             <a:pPr/>
             <a:r>
-              <a:t>Summary : Analysis Framework</a:t>
+              <a:t>Exercises - A</a:t>
             </a:r>
           </a:p>
         </p:txBody>
       </p:sp>
       <p:sp>
         <p:nvSpPr>
-          <p:cNvPr id="129" name="Both time and space efficiencies are measured as functions of the algorithm’s input size…"/>
+          <p:cNvPr id="129" name="For the following algorithms (problems), identify…"/>
           <p:cNvSpPr txBox="1"/>
           <p:nvPr>
             <p:ph type="body" idx="1"/>
@@ -9341,8 +10038,8 @@
         </p:nvSpPr>
         <p:spPr>
           <a:xfrm>
-            <a:off x="887784" y="938113"/>
-            <a:ext cx="8760735" cy="5891610"/>
+            <a:off x="887784" y="864195"/>
+            <a:ext cx="8773700" cy="5891610"/>
           </a:xfrm>
           <a:prstGeom prst="rect">
             <a:avLst/>
@@ -9354,43 +10051,90 @@
           <a:p>
             <a:pPr/>
             <a:r>
-              <a:t>Both time and space efficiencies are measured as functions of the algorithm’s input size</a:t>
-            </a:r>
+              <a:t>For the following algorithms (problems), identify</a:t>
+            </a:r>
+          </a:p>
+          <a:p>
+            <a:pPr lvl="1"/>
+            <a:r>
+              <a:t>Natural input size metric</a:t>
+            </a:r>
+          </a:p>
+          <a:p>
+            <a:pPr lvl="1"/>
+            <a:r>
+              <a:t>Basic operation</a:t>
+            </a:r>
+          </a:p>
+          <a:p>
+            <a:pPr lvl="1"/>
+            <a:r>
+              <a:t>Count of basic operation (average case)</a:t>
+            </a:r>
+          </a:p>
+          <a:p>
+            <a:pPr lvl="1"/>
           </a:p>
           <a:p>
             <a:pPr/>
             <a:r>
-              <a:t>Time efficiency is measured by counting the number of times the base operation of algorithm is executed.</a:t>
+              <a:t>P01: Computing sum of n numbers</a:t>
             </a:r>
           </a:p>
           <a:p>
             <a:pPr/>
             <a:r>
-              <a:t>Space efficiency is measured by counting the number of extra memory units consumed by algo.</a:t>
+              <a:t>P02: Computing factorial(n)</a:t>
             </a:r>
           </a:p>
           <a:p>
             <a:pPr/>
             <a:r>
-              <a:t>Efficiency for same algorithm may vary significantly for inputs of same size. </a:t>
-            </a:r>
-          </a:p>
-          <a:p>
-            <a:pPr lvl="1"/>
-            <a:r>
-              <a:t>Worst case, Best case, and Average case</a:t>
+              <a:t>P03: Finding largest element of n numbers</a:t>
             </a:r>
           </a:p>
           <a:p>
             <a:pPr/>
             <a:r>
-              <a:t>Framework primary interest in order of growth</a:t>
-            </a:r>
-          </a:p>
-          <a:p>
-            <a:pPr lvl="1"/>
-            <a:r>
-              <a:t>Running time of algorithm</a:t>
+              <a:t>P04: </a:t>
+            </a:r>
+            <a:r>
+              <a:rPr sz="3000"/>
+              <a:t>List all prime numbers &lt;n using Sieve method</a:t>
+            </a:r>
+            <a:endParaRPr sz="3000"/>
+          </a:p>
+          <a:p>
+            <a:pPr marL="361156" indent="-321468"/>
+            <a:r>
+              <a:rPr sz="3000"/>
+              <a:t>P05: Multiplying </a:t>
+            </a:r>
+            <a:r>
+              <a:rPr sz="3000">
+                <a:latin typeface="Courier New"/>
+                <a:ea typeface="Courier New"/>
+                <a:cs typeface="Courier New"/>
+                <a:sym typeface="Courier New"/>
+              </a:rPr>
+              <a:t>2</a:t>
+            </a:r>
+            <a:r>
+              <a:rPr sz="3000"/>
+              <a:t> numbers each of </a:t>
+            </a:r>
+            <a:r>
+              <a:rPr sz="3000">
+                <a:latin typeface="Courier New"/>
+                <a:ea typeface="Courier New"/>
+                <a:cs typeface="Courier New"/>
+                <a:sym typeface="Courier New"/>
+              </a:rPr>
+              <a:t>n</a:t>
+            </a:r>
+            <a:r>
+              <a:rPr sz="3000"/>
+              <a:t> digits</a:t>
             </a:r>
           </a:p>
         </p:txBody>
@@ -9586,26 +10330,8 @@
                                   </p:childTnLst>
                                 </p:cTn>
                               </p:par>
-                            </p:childTnLst>
-                          </p:cTn>
-                        </p:par>
-                      </p:childTnLst>
-                    </p:cTn>
-                  </p:par>
-                  <p:par>
-                    <p:cTn id="9" fill="hold">
-                      <p:stCondLst>
-                        <p:cond delay="indefinite"/>
-                      </p:stCondLst>
-                      <p:childTnLst>
-                        <p:par>
-                          <p:cTn id="10" fill="hold">
-                            <p:stCondLst>
-                              <p:cond delay="0"/>
-                            </p:stCondLst>
-                            <p:childTnLst>
                               <p:par>
-                                <p:cTn id="11" presetClass="entr" nodeType="clickEffect" presetSubtype="0" presetID="1" grpId="1" fill="hold">
+                                <p:cTn id="9" presetClass="entr" nodeType="withEffect" presetSubtype="0" presetID="1" grpId="1" fill="hold">
                                   <p:stCondLst>
                                     <p:cond delay="0"/>
                                   </p:stCondLst>
@@ -9615,7 +10341,7 @@
                                   <p:childTnLst>
                                     <p:set>
                                       <p:cBhvr>
-                                        <p:cTn id="12" fill="hold"/>
+                                        <p:cTn id="10" fill="hold"/>
                                         <p:tgtEl>
                                           <p:spTgt spid="129">
                                             <p:txEl>
@@ -9634,26 +10360,68 @@
                                   </p:childTnLst>
                                 </p:cTn>
                               </p:par>
-                            </p:childTnLst>
-                          </p:cTn>
-                        </p:par>
-                      </p:childTnLst>
-                    </p:cTn>
-                  </p:par>
-                  <p:par>
-                    <p:cTn id="13" fill="hold">
-                      <p:stCondLst>
-                        <p:cond delay="indefinite"/>
-                      </p:stCondLst>
-                      <p:childTnLst>
-                        <p:par>
-                          <p:cTn id="14" fill="hold">
-                            <p:stCondLst>
-                              <p:cond delay="0"/>
-                            </p:stCondLst>
-                            <p:childTnLst>
                               <p:par>
-                                <p:cTn id="15" presetClass="entr" nodeType="clickEffect" presetSubtype="0" presetID="1" grpId="1" fill="hold">
+                                <p:cTn id="11" presetClass="entr" nodeType="withEffect" presetSubtype="0" presetID="1" grpId="1" fill="hold">
+                                  <p:stCondLst>
+                                    <p:cond delay="0"/>
+                                  </p:stCondLst>
+                                  <p:iterate type="el" backwards="0">
+                                    <p:tmAbs val="0"/>
+                                  </p:iterate>
+                                  <p:childTnLst>
+                                    <p:set>
+                                      <p:cBhvr>
+                                        <p:cTn id="12" fill="hold"/>
+                                        <p:tgtEl>
+                                          <p:spTgt spid="129">
+                                            <p:txEl>
+                                              <p:pRg st="2" end="2"/>
+                                            </p:txEl>
+                                          </p:spTgt>
+                                        </p:tgtEl>
+                                        <p:attrNameLst>
+                                          <p:attrName>style.visibility</p:attrName>
+                                        </p:attrNameLst>
+                                      </p:cBhvr>
+                                      <p:to>
+                                        <p:strVal val="visible"/>
+                                      </p:to>
+                                    </p:set>
+                                  </p:childTnLst>
+                                </p:cTn>
+                              </p:par>
+                              <p:par>
+                                <p:cTn id="13" presetClass="entr" nodeType="withEffect" presetSubtype="0" presetID="1" grpId="1" fill="hold">
+                                  <p:stCondLst>
+                                    <p:cond delay="0"/>
+                                  </p:stCondLst>
+                                  <p:iterate type="el" backwards="0">
+                                    <p:tmAbs val="0"/>
+                                  </p:iterate>
+                                  <p:childTnLst>
+                                    <p:set>
+                                      <p:cBhvr>
+                                        <p:cTn id="14" fill="hold"/>
+                                        <p:tgtEl>
+                                          <p:spTgt spid="129">
+                                            <p:txEl>
+                                              <p:pRg st="3" end="3"/>
+                                            </p:txEl>
+                                          </p:spTgt>
+                                        </p:tgtEl>
+                                        <p:attrNameLst>
+                                          <p:attrName>style.visibility</p:attrName>
+                                        </p:attrNameLst>
+                                      </p:cBhvr>
+                                      <p:to>
+                                        <p:strVal val="visible"/>
+                                      </p:to>
+                                    </p:set>
+                                  </p:childTnLst>
+                                </p:cTn>
+                              </p:par>
+                              <p:par>
+                                <p:cTn id="15" presetClass="entr" nodeType="withEffect" presetSubtype="0" presetID="1" grpId="1" fill="hold">
                                   <p:stCondLst>
                                     <p:cond delay="0"/>
                                   </p:stCondLst>
@@ -9667,7 +10435,7 @@
                                         <p:tgtEl>
                                           <p:spTgt spid="129">
                                             <p:txEl>
-                                              <p:pRg st="2" end="2"/>
+                                              <p:pRg st="4" end="4"/>
                                             </p:txEl>
                                           </p:spTgt>
                                         </p:tgtEl>
@@ -9715,7 +10483,7 @@
                                         <p:tgtEl>
                                           <p:spTgt spid="129">
                                             <p:txEl>
-                                              <p:pRg st="3" end="3"/>
+                                              <p:pRg st="5" end="5"/>
                                             </p:txEl>
                                           </p:spTgt>
                                         </p:tgtEl>
@@ -9763,7 +10531,7 @@
                                         <p:tgtEl>
                                           <p:spTgt spid="129">
                                             <p:txEl>
-                                              <p:pRg st="4" end="4"/>
+                                              <p:pRg st="6" end="6"/>
                                             </p:txEl>
                                           </p:spTgt>
                                         </p:tgtEl>
@@ -9811,7 +10579,7 @@
                                         <p:tgtEl>
                                           <p:spTgt spid="129">
                                             <p:txEl>
-                                              <p:pRg st="5" end="5"/>
+                                              <p:pRg st="7" end="7"/>
                                             </p:txEl>
                                           </p:spTgt>
                                         </p:tgtEl>
@@ -9859,7 +10627,55 @@
                                         <p:tgtEl>
                                           <p:spTgt spid="129">
                                             <p:txEl>
-                                              <p:pRg st="6" end="6"/>
+                                              <p:pRg st="8" end="8"/>
+                                            </p:txEl>
+                                          </p:spTgt>
+                                        </p:tgtEl>
+                                        <p:attrNameLst>
+                                          <p:attrName>style.visibility</p:attrName>
+                                        </p:attrNameLst>
+                                      </p:cBhvr>
+                                      <p:to>
+                                        <p:strVal val="visible"/>
+                                      </p:to>
+                                    </p:set>
+                                  </p:childTnLst>
+                                </p:cTn>
+                              </p:par>
+                            </p:childTnLst>
+                          </p:cTn>
+                        </p:par>
+                      </p:childTnLst>
+                    </p:cTn>
+                  </p:par>
+                  <p:par>
+                    <p:cTn id="33" fill="hold">
+                      <p:stCondLst>
+                        <p:cond delay="indefinite"/>
+                      </p:stCondLst>
+                      <p:childTnLst>
+                        <p:par>
+                          <p:cTn id="34" fill="hold">
+                            <p:stCondLst>
+                              <p:cond delay="0"/>
+                            </p:stCondLst>
+                            <p:childTnLst>
+                              <p:par>
+                                <p:cTn id="35" presetClass="entr" nodeType="clickEffect" presetSubtype="0" presetID="1" grpId="1" fill="hold">
+                                  <p:stCondLst>
+                                    <p:cond delay="0"/>
+                                  </p:stCondLst>
+                                  <p:iterate type="el" backwards="0">
+                                    <p:tmAbs val="0"/>
+                                  </p:iterate>
+                                  <p:childTnLst>
+                                    <p:set>
+                                      <p:cBhvr>
+                                        <p:cTn id="36" fill="hold"/>
+                                        <p:tgtEl>
+                                          <p:spTgt spid="129">
+                                            <p:txEl>
+                                              <p:pRg st="9" end="9"/>
                                             </p:txEl>
                                           </p:spTgt>
                                         </p:tgtEl>
@@ -9902,7 +10718,7 @@
       </p:par>
     </p:tnLst>
     <p:bldLst>
-      <p:bldP build="p" bldLvl="5" animBg="1" rev="0" advAuto="0" spid="129" grpId="1"/>
+      <p:bldP build="p" bldLvl="1" animBg="1" rev="0" advAuto="0" spid="129" grpId="1"/>
     </p:bldLst>
   </p:timing>
 </p:sld>
@@ -9927,7 +10743,7 @@
       </p:grpSpPr>
       <p:sp>
         <p:nvSpPr>
-          <p:cNvPr id="134" name="Exercises - A"/>
+          <p:cNvPr id="134" name="Exercises-B"/>
           <p:cNvSpPr txBox="1"/>
           <p:nvPr>
             <p:ph type="title"/>
@@ -9944,14 +10760,14 @@
           <a:p>
             <a:pPr/>
             <a:r>
-              <a:t>Exercises - A</a:t>
+              <a:t>Exercises-B</a:t>
             </a:r>
           </a:p>
         </p:txBody>
       </p:sp>
       <p:sp>
         <p:nvSpPr>
-          <p:cNvPr id="135" name="For the following algorithms (problems), identify…"/>
+          <p:cNvPr id="135" name="Glove selection: There are 22 gloves in a drawer: 5 pairs of red gloves, 4 pairs of yellow, and 2 pairs of green.…"/>
           <p:cNvSpPr txBox="1"/>
           <p:nvPr>
             <p:ph type="body" idx="1"/>
@@ -9959,8 +10775,8 @@
         </p:nvSpPr>
         <p:spPr>
           <a:xfrm>
-            <a:off x="887784" y="864195"/>
-            <a:ext cx="8773700" cy="5891610"/>
+            <a:off x="568035" y="938113"/>
+            <a:ext cx="9134328" cy="5891610"/>
           </a:xfrm>
           <a:prstGeom prst="rect">
             <a:avLst/>
@@ -9970,92 +10786,70 @@
           <a:bodyPr/>
           <a:lstStyle/>
           <a:p>
-            <a:pPr/>
-            <a:r>
-              <a:t>For the following algorithms (problems), identify</a:t>
-            </a:r>
-          </a:p>
-          <a:p>
-            <a:pPr lvl="1"/>
-            <a:r>
-              <a:t>Natural size metric</a:t>
-            </a:r>
-          </a:p>
-          <a:p>
-            <a:pPr lvl="1"/>
-            <a:r>
-              <a:t>Basic operation</a:t>
-            </a:r>
-          </a:p>
-          <a:p>
-            <a:pPr lvl="1"/>
-            <a:r>
-              <a:t>Count of basic operation (average case)</a:t>
-            </a:r>
-          </a:p>
-          <a:p>
-            <a:pPr lvl="1"/>
-          </a:p>
-          <a:p>
-            <a:pPr/>
-            <a:r>
-              <a:t>P01: Computing sum of n numbers</a:t>
-            </a:r>
-          </a:p>
-          <a:p>
-            <a:pPr/>
-            <a:r>
-              <a:t>P02: Computing factorial(n)</a:t>
-            </a:r>
-          </a:p>
-          <a:p>
-            <a:pPr/>
-            <a:r>
-              <a:t>P03: Finding largest element of n numbers</a:t>
-            </a:r>
-          </a:p>
-          <a:p>
-            <a:pPr/>
-            <a:r>
-              <a:t>P04: </a:t>
-            </a:r>
-            <a:r>
-              <a:rPr sz="3000"/>
-              <a:t>List all prime numbers &lt;n using Sieve method</a:t>
-            </a:r>
-            <a:endParaRPr sz="3000"/>
-          </a:p>
-          <a:p>
-            <a:pPr marL="361156" indent="-321468"/>
-            <a:r>
-              <a:rPr sz="3000"/>
-              <a:t>P05: Multiplying </a:t>
-            </a:r>
-            <a:r>
-              <a:rPr sz="3000">
-                <a:latin typeface="Courier New"/>
-                <a:ea typeface="Courier New"/>
-                <a:cs typeface="Courier New"/>
-                <a:sym typeface="Courier New"/>
-              </a:rPr>
-              <a:t>2</a:t>
-            </a:r>
-            <a:r>
-              <a:rPr sz="3000"/>
-              <a:t> numbers each of </a:t>
-            </a:r>
-            <a:r>
-              <a:rPr sz="3000">
-                <a:latin typeface="Courier New"/>
-                <a:ea typeface="Courier New"/>
-                <a:cs typeface="Courier New"/>
-                <a:sym typeface="Courier New"/>
-              </a:rPr>
-              <a:t>n</a:t>
-            </a:r>
-            <a:r>
-              <a:rPr sz="3000"/>
-              <a:t> digits</a:t>
+            <a:pPr>
+              <a:defRPr sz="3000"/>
+            </a:pPr>
+            <a:r>
+              <a:t>Glove selection: There are 22 gloves in a drawer: 5 pairs of red gloves, 4 pairs of yellow, and 2 pairs of green. </a:t>
+            </a:r>
+          </a:p>
+          <a:p>
+            <a:pPr>
+              <a:defRPr sz="3000"/>
+            </a:pPr>
+            <a:r>
+              <a:t>You select two gloves in the dark and can check them only after a selection has been made. What is the smallest number of gloves you need to select to have (guarantee) the following: </a:t>
+            </a:r>
+          </a:p>
+          <a:p>
+            <a:pPr lvl="5" marL="0" indent="1143000">
+              <a:buSzTx/>
+              <a:buNone/>
+              <a:defRPr sz="3000"/>
+            </a:pPr>
+            <a:r>
+              <a:t>(Hint: Gloves are left and right side)</a:t>
+            </a:r>
+          </a:p>
+          <a:p>
+            <a:pPr lvl="1" marL="738187" indent="-342900">
+              <a:spcBef>
+                <a:spcPts val="700"/>
+              </a:spcBef>
+              <a:buChar char="•"/>
+            </a:pPr>
+          </a:p>
+          <a:p>
+            <a:pPr lvl="1" marL="738187" indent="-342900">
+              <a:spcBef>
+                <a:spcPts val="700"/>
+              </a:spcBef>
+              <a:buChar char="•"/>
+            </a:pPr>
+            <a:r>
+              <a:t>At least one matching pair? (worst case)</a:t>
+            </a:r>
+          </a:p>
+          <a:p>
+            <a:pPr lvl="1" marL="738187" indent="-342900">
+              <a:spcBef>
+                <a:spcPts val="700"/>
+              </a:spcBef>
+              <a:buChar char="•"/>
+            </a:pPr>
+            <a:r>
+              <a:t>At least one matching pair in the best case? </a:t>
+            </a:r>
+          </a:p>
+          <a:p>
+            <a:pPr lvl="1" marL="738187" indent="-342900">
+              <a:spcBef>
+                <a:spcPts val="700"/>
+              </a:spcBef>
+              <a:buChar char="•"/>
+            </a:pPr>
+            <a:r>
+              <a:t>At least one matching pair of each color? (worse case)</a:t>
             </a:r>
           </a:p>
         </p:txBody>
@@ -10251,8 +11045,26 @@
                                   </p:childTnLst>
                                 </p:cTn>
                               </p:par>
+                            </p:childTnLst>
+                          </p:cTn>
+                        </p:par>
+                      </p:childTnLst>
+                    </p:cTn>
+                  </p:par>
+                  <p:par>
+                    <p:cTn id="9" fill="hold">
+                      <p:stCondLst>
+                        <p:cond delay="indefinite"/>
+                      </p:stCondLst>
+                      <p:childTnLst>
+                        <p:par>
+                          <p:cTn id="10" fill="hold">
+                            <p:stCondLst>
+                              <p:cond delay="0"/>
+                            </p:stCondLst>
+                            <p:childTnLst>
                               <p:par>
-                                <p:cTn id="9" presetClass="entr" nodeType="withEffect" presetSubtype="0" presetID="1" grpId="1" fill="hold">
+                                <p:cTn id="11" presetClass="entr" nodeType="clickEffect" presetSubtype="0" presetID="1" grpId="1" fill="hold">
                                   <p:stCondLst>
                                     <p:cond delay="0"/>
                                   </p:stCondLst>
@@ -10262,7 +11074,7 @@
                                   <p:childTnLst>
                                     <p:set>
                                       <p:cBhvr>
-                                        <p:cTn id="10" fill="hold"/>
+                                        <p:cTn id="12" fill="hold"/>
                                         <p:tgtEl>
                                           <p:spTgt spid="135">
                                             <p:txEl>
@@ -10281,68 +11093,26 @@
                                   </p:childTnLst>
                                 </p:cTn>
                               </p:par>
+                            </p:childTnLst>
+                          </p:cTn>
+                        </p:par>
+                      </p:childTnLst>
+                    </p:cTn>
+                  </p:par>
+                  <p:par>
+                    <p:cTn id="13" fill="hold">
+                      <p:stCondLst>
+                        <p:cond delay="indefinite"/>
+                      </p:stCondLst>
+                      <p:childTnLst>
+                        <p:par>
+                          <p:cTn id="14" fill="hold">
+                            <p:stCondLst>
+                              <p:cond delay="0"/>
+                            </p:stCondLst>
+                            <p:childTnLst>
                               <p:par>
-                                <p:cTn id="11" presetClass="entr" nodeType="withEffect" presetSubtype="0" presetID="1" grpId="1" fill="hold">
-                                  <p:stCondLst>
-                                    <p:cond delay="0"/>
-                                  </p:stCondLst>
-                                  <p:iterate type="el" backwards="0">
-                                    <p:tmAbs val="0"/>
-                                  </p:iterate>
-                                  <p:childTnLst>
-                                    <p:set>
-                                      <p:cBhvr>
-                                        <p:cTn id="12" fill="hold"/>
-                                        <p:tgtEl>
-                                          <p:spTgt spid="135">
-                                            <p:txEl>
-                                              <p:pRg st="2" end="2"/>
-                                            </p:txEl>
-                                          </p:spTgt>
-                                        </p:tgtEl>
-                                        <p:attrNameLst>
-                                          <p:attrName>style.visibility</p:attrName>
-                                        </p:attrNameLst>
-                                      </p:cBhvr>
-                                      <p:to>
-                                        <p:strVal val="visible"/>
-                                      </p:to>
-                                    </p:set>
-                                  </p:childTnLst>
-                                </p:cTn>
-                              </p:par>
-                              <p:par>
-                                <p:cTn id="13" presetClass="entr" nodeType="withEffect" presetSubtype="0" presetID="1" grpId="1" fill="hold">
-                                  <p:stCondLst>
-                                    <p:cond delay="0"/>
-                                  </p:stCondLst>
-                                  <p:iterate type="el" backwards="0">
-                                    <p:tmAbs val="0"/>
-                                  </p:iterate>
-                                  <p:childTnLst>
-                                    <p:set>
-                                      <p:cBhvr>
-                                        <p:cTn id="14" fill="hold"/>
-                                        <p:tgtEl>
-                                          <p:spTgt spid="135">
-                                            <p:txEl>
-                                              <p:pRg st="3" end="3"/>
-                                            </p:txEl>
-                                          </p:spTgt>
-                                        </p:tgtEl>
-                                        <p:attrNameLst>
-                                          <p:attrName>style.visibility</p:attrName>
-                                        </p:attrNameLst>
-                                      </p:cBhvr>
-                                      <p:to>
-                                        <p:strVal val="visible"/>
-                                      </p:to>
-                                    </p:set>
-                                  </p:childTnLst>
-                                </p:cTn>
-                              </p:par>
-                              <p:par>
-                                <p:cTn id="15" presetClass="entr" nodeType="withEffect" presetSubtype="0" presetID="1" grpId="1" fill="hold">
+                                <p:cTn id="15" presetClass="entr" nodeType="clickEffect" presetSubtype="0" presetID="1" grpId="1" fill="hold">
                                   <p:stCondLst>
                                     <p:cond delay="0"/>
                                   </p:stCondLst>
@@ -10356,7 +11126,7 @@
                                         <p:tgtEl>
                                           <p:spTgt spid="135">
                                             <p:txEl>
-                                              <p:pRg st="4" end="4"/>
+                                              <p:pRg st="2" end="2"/>
                                             </p:txEl>
                                           </p:spTgt>
                                         </p:tgtEl>
@@ -10404,7 +11174,7 @@
                                         <p:tgtEl>
                                           <p:spTgt spid="135">
                                             <p:txEl>
-                                              <p:pRg st="5" end="5"/>
+                                              <p:pRg st="3" end="3"/>
                                             </p:txEl>
                                           </p:spTgt>
                                         </p:tgtEl>
@@ -10452,7 +11222,7 @@
                                         <p:tgtEl>
                                           <p:spTgt spid="135">
                                             <p:txEl>
-                                              <p:pRg st="6" end="6"/>
+                                              <p:pRg st="4" end="4"/>
                                             </p:txEl>
                                           </p:spTgt>
                                         </p:tgtEl>
@@ -10500,7 +11270,7 @@
                                         <p:tgtEl>
                                           <p:spTgt spid="135">
                                             <p:txEl>
-                                              <p:pRg st="7" end="7"/>
+                                              <p:pRg st="5" end="5"/>
                                             </p:txEl>
                                           </p:spTgt>
                                         </p:tgtEl>
@@ -10548,55 +11318,7 @@
                                         <p:tgtEl>
                                           <p:spTgt spid="135">
                                             <p:txEl>
-                                              <p:pRg st="8" end="8"/>
-                                            </p:txEl>
-                                          </p:spTgt>
-                                        </p:tgtEl>
-                                        <p:attrNameLst>
-                                          <p:attrName>style.visibility</p:attrName>
-                                        </p:attrNameLst>
-                                      </p:cBhvr>
-                                      <p:to>
-                                        <p:strVal val="visible"/>
-                                      </p:to>
-                                    </p:set>
-                                  </p:childTnLst>
-                                </p:cTn>
-                              </p:par>
-                            </p:childTnLst>
-                          </p:cTn>
-                        </p:par>
-                      </p:childTnLst>
-                    </p:cTn>
-                  </p:par>
-                  <p:par>
-                    <p:cTn id="33" fill="hold">
-                      <p:stCondLst>
-                        <p:cond delay="indefinite"/>
-                      </p:stCondLst>
-                      <p:childTnLst>
-                        <p:par>
-                          <p:cTn id="34" fill="hold">
-                            <p:stCondLst>
-                              <p:cond delay="0"/>
-                            </p:stCondLst>
-                            <p:childTnLst>
-                              <p:par>
-                                <p:cTn id="35" presetClass="entr" nodeType="clickEffect" presetSubtype="0" presetID="1" grpId="1" fill="hold">
-                                  <p:stCondLst>
-                                    <p:cond delay="0"/>
-                                  </p:stCondLst>
-                                  <p:iterate type="el" backwards="0">
-                                    <p:tmAbs val="0"/>
-                                  </p:iterate>
-                                  <p:childTnLst>
-                                    <p:set>
-                                      <p:cBhvr>
-                                        <p:cTn id="36" fill="hold"/>
-                                        <p:tgtEl>
-                                          <p:spTgt spid="135">
-                                            <p:txEl>
-                                              <p:pRg st="9" end="9"/>
+                                              <p:pRg st="6" end="6"/>
                                             </p:txEl>
                                           </p:spTgt>
                                         </p:tgtEl>
@@ -10639,7 +11361,7 @@
       </p:par>
     </p:tnLst>
     <p:bldLst>
-      <p:bldP build="p" bldLvl="1" animBg="1" rev="0" advAuto="0" spid="135" grpId="1"/>
+      <p:bldP build="p" bldLvl="5" animBg="1" rev="0" advAuto="0" spid="135" grpId="1"/>
     </p:bldLst>
   </p:timing>
 </p:sld>
@@ -10664,7 +11386,7 @@
       </p:grpSpPr>
       <p:sp>
         <p:nvSpPr>
-          <p:cNvPr id="140" name="Exercises-B"/>
+          <p:cNvPr id="140" name="Exercises-C"/>
           <p:cNvSpPr txBox="1"/>
           <p:nvPr>
             <p:ph type="title"/>
@@ -10681,14 +11403,14 @@
           <a:p>
             <a:pPr/>
             <a:r>
-              <a:t>Exercises-B</a:t>
+              <a:t>Exercises-C</a:t>
             </a:r>
           </a:p>
         </p:txBody>
       </p:sp>
       <p:sp>
         <p:nvSpPr>
-          <p:cNvPr id="141" name="Glove selection: There are 22 gloves in a drawer: 5 pairs of red gloves, 4 pairs of yellow, and 2 pairs of green. You select the gloves in the dark and can check them only after a selection has been made. What is the smallest number of gloves you need to select to have (Hint: Gloves are left and right side)…"/>
+          <p:cNvPr id="141" name="Missing socks: Imagine that after washing 5 distinct pairs of socks, you discover that two socks are missing. Of course, you would like to have the largest number of complete pairs remaining. Thus, you are left with 4 complete pairs in the best-case scenario and with 3 complete pairs in the worst case.  Assuming that the probability of disappearance for each of the 10 socks is the same, find the probability of…"/>
           <p:cNvSpPr txBox="1"/>
           <p:nvPr>
             <p:ph type="body" idx="1"/>
@@ -10696,8 +11418,8 @@
         </p:nvSpPr>
         <p:spPr>
           <a:xfrm>
-            <a:off x="887784" y="938113"/>
-            <a:ext cx="8814579" cy="5891610"/>
+            <a:off x="672711" y="864195"/>
+            <a:ext cx="9010172" cy="6066830"/>
           </a:xfrm>
           <a:prstGeom prst="rect">
             <a:avLst/>
@@ -10707,52 +11429,179 @@
           <a:bodyPr/>
           <a:lstStyle/>
           <a:p>
-            <a:pPr>
-              <a:defRPr sz="3000"/>
+            <a:pPr lvl="1" marL="0" indent="228600">
+              <a:spcBef>
+                <a:spcPts val="700"/>
+              </a:spcBef>
+              <a:buSzTx/>
+              <a:buNone/>
+              <a:defRPr sz="2800"/>
             </a:pPr>
             <a:r>
-              <a:t>Glove selection: There are 22 gloves in a drawer: 5 pairs of red gloves, 4 pairs of yellow, and 2 pairs of green. You select the gloves in the dark and can check them only after a selection has been made. What is the smallest number of gloves you need to select to have (Hint: Gloves are left and right side)</a:t>
-            </a:r>
-          </a:p>
-          <a:p>
-            <a:pPr lvl="1" marL="738187" indent="-342900">
+              <a:t>Missing socks: Imagine that after washing 5 distinct pairs of socks, you discover that two socks are missing. Of course, you would like to have the largest number of complete pairs remaining. Thus, you are left with 4 complete pairs in the best-case scenario and with 3 complete pairs in the worst case.  Assuming that the probability of disappearance for each of the </a:t>
+            </a:r>
+            <a:r>
+              <a:rPr>
+                <a:latin typeface="Arial"/>
+                <a:ea typeface="Arial"/>
+                <a:cs typeface="Arial"/>
+                <a:sym typeface="Arial"/>
+              </a:rPr>
+              <a:t>10</a:t>
+            </a:r>
+            <a:r>
+              <a:t> socks is the same, find the probability of </a:t>
+            </a:r>
+          </a:p>
+          <a:p>
+            <a:pPr lvl="1" marL="663178" indent="-267890">
               <a:spcBef>
                 <a:spcPts val="700"/>
               </a:spcBef>
               <a:buChar char="•"/>
+              <a:defRPr sz="2800"/>
             </a:pPr>
-          </a:p>
-          <a:p>
-            <a:pPr lvl="1" marL="738187" indent="-342900">
+            <a:r>
+              <a:t>Q C</a:t>
+            </a:r>
+            <a:r>
+              <a:rPr baseline="-5999"/>
+              <a:t>1</a:t>
+            </a:r>
+            <a:r>
+              <a:t>: The best-case scenario; </a:t>
+            </a:r>
+          </a:p>
+          <a:p>
+            <a:pPr lvl="1" marL="663178" indent="-267890">
               <a:spcBef>
                 <a:spcPts val="700"/>
               </a:spcBef>
               <a:buChar char="•"/>
+              <a:defRPr sz="2800"/>
             </a:pPr>
             <a:r>
-              <a:t>At least one matching pair? (worst case)</a:t>
-            </a:r>
-          </a:p>
-          <a:p>
-            <a:pPr lvl="1" marL="738187" indent="-342900">
+              <a:t>Q C</a:t>
+            </a:r>
+            <a:r>
+              <a:rPr baseline="-5999"/>
+              <a:t>2</a:t>
+            </a:r>
+            <a:r>
+              <a:t>: The worst-case scenario; </a:t>
+            </a:r>
+          </a:p>
+          <a:p>
+            <a:pPr lvl="1" marL="663178" indent="-267890">
               <a:spcBef>
                 <a:spcPts val="700"/>
               </a:spcBef>
               <a:buChar char="•"/>
+              <a:defRPr sz="2800"/>
             </a:pPr>
             <a:r>
-              <a:t>At least one matching pair in the best case? </a:t>
-            </a:r>
-          </a:p>
-          <a:p>
-            <a:pPr lvl="1" marL="738187" indent="-342900">
+              <a:t>Q C</a:t>
+            </a:r>
+            <a:r>
+              <a:rPr baseline="-5999"/>
+              <a:t>3:</a:t>
+            </a:r>
+            <a:r>
+              <a:t> The number of pairs you should expect in the average case. </a:t>
+            </a:r>
+          </a:p>
+          <a:p>
+            <a:pPr marL="322075" indent="-282388">
               <a:spcBef>
-                <a:spcPts val="700"/>
+                <a:spcPts val="300"/>
+              </a:spcBef>
+              <a:defRPr sz="2600"/>
+            </a:pPr>
+            <a:r>
+              <a:t>Answers:</a:t>
+            </a:r>
+          </a:p>
+          <a:p>
+            <a:pPr lvl="1" marL="663178" indent="-267890">
+              <a:spcBef>
+                <a:spcPts val="300"/>
               </a:spcBef>
               <a:buChar char="•"/>
+              <a:defRPr sz="2600">
+                <a:latin typeface="Arial"/>
+                <a:ea typeface="Arial"/>
+                <a:cs typeface="Arial"/>
+                <a:sym typeface="Arial"/>
+              </a:defRPr>
             </a:pPr>
             <a:r>
-              <a:t>At least one matching pair of each color? (worse case)</a:t>
+              <a:t>C</a:t>
+            </a:r>
+            <a:r>
+              <a:rPr baseline="-5999"/>
+              <a:t>1</a:t>
+            </a:r>
+            <a:r>
+              <a:t>:  5/45 = 1/9</a:t>
+            </a:r>
+          </a:p>
+          <a:p>
+            <a:pPr lvl="1" marL="663178" indent="-267890">
+              <a:spcBef>
+                <a:spcPts val="300"/>
+              </a:spcBef>
+              <a:buChar char="•"/>
+              <a:defRPr sz="2600">
+                <a:latin typeface="Arial"/>
+                <a:ea typeface="Arial"/>
+                <a:cs typeface="Arial"/>
+                <a:sym typeface="Arial"/>
+              </a:defRPr>
+            </a:pPr>
+            <a:r>
+              <a:t>C</a:t>
+            </a:r>
+            <a:r>
+              <a:rPr baseline="-5999"/>
+              <a:t>2</a:t>
+            </a:r>
+            <a:r>
+              <a:t>:  40/45 = 8/9</a:t>
+            </a:r>
+          </a:p>
+          <a:p>
+            <a:pPr lvl="1" marL="663178" indent="-267890">
+              <a:spcBef>
+                <a:spcPts val="300"/>
+              </a:spcBef>
+              <a:buChar char="•"/>
+              <a:defRPr sz="2600">
+                <a:latin typeface="Arial"/>
+                <a:ea typeface="Arial"/>
+                <a:cs typeface="Arial"/>
+                <a:sym typeface="Arial"/>
+              </a:defRPr>
+            </a:pPr>
+            <a:r>
+              <a:t>C</a:t>
+            </a:r>
+            <a:r>
+              <a:rPr baseline="-5999"/>
+              <a:t>3</a:t>
+            </a:r>
+            <a:r>
+              <a:t>:  4*1/9 + 3*8/9 = 28/9 = 3</a:t>
+            </a:r>
+            <a:r>
+              <a:rPr baseline="31999"/>
+              <a:t>1</a:t>
+            </a:r>
+            <a:r>
+              <a:t>/</a:t>
+            </a:r>
+            <a:r>
+              <a:rPr baseline="-5999"/>
+              <a:t>9</a:t>
             </a:r>
           </a:p>
         </p:txBody>
@@ -11038,8 +11887,26 @@
                                   </p:childTnLst>
                                 </p:cTn>
                               </p:par>
+                            </p:childTnLst>
+                          </p:cTn>
+                        </p:par>
+                      </p:childTnLst>
+                    </p:cTn>
+                  </p:par>
+                  <p:par>
+                    <p:cTn id="15" fill="hold">
+                      <p:stCondLst>
+                        <p:cond delay="indefinite"/>
+                      </p:stCondLst>
+                      <p:childTnLst>
+                        <p:par>
+                          <p:cTn id="16" fill="hold">
+                            <p:stCondLst>
+                              <p:cond delay="0"/>
+                            </p:stCondLst>
+                            <p:childTnLst>
                               <p:par>
-                                <p:cTn id="15" presetClass="entr" nodeType="withEffect" presetSubtype="0" presetID="1" grpId="1" fill="hold">
+                                <p:cTn id="17" presetClass="entr" nodeType="clickEffect" presetSubtype="0" presetID="1" grpId="1" fill="hold">
                                   <p:stCondLst>
                                     <p:cond delay="0"/>
                                   </p:stCondLst>
@@ -11049,11 +11916,101 @@
                                   <p:childTnLst>
                                     <p:set>
                                       <p:cBhvr>
-                                        <p:cTn id="16" fill="hold"/>
+                                        <p:cTn id="18" fill="hold"/>
                                         <p:tgtEl>
                                           <p:spTgt spid="141">
                                             <p:txEl>
                                               <p:pRg st="4" end="4"/>
+                                            </p:txEl>
+                                          </p:spTgt>
+                                        </p:tgtEl>
+                                        <p:attrNameLst>
+                                          <p:attrName>style.visibility</p:attrName>
+                                        </p:attrNameLst>
+                                      </p:cBhvr>
+                                      <p:to>
+                                        <p:strVal val="visible"/>
+                                      </p:to>
+                                    </p:set>
+                                  </p:childTnLst>
+                                </p:cTn>
+                              </p:par>
+                              <p:par>
+                                <p:cTn id="19" presetClass="entr" nodeType="withEffect" presetSubtype="0" presetID="1" grpId="1" fill="hold">
+                                  <p:stCondLst>
+                                    <p:cond delay="0"/>
+                                  </p:stCondLst>
+                                  <p:iterate type="el" backwards="0">
+                                    <p:tmAbs val="0"/>
+                                  </p:iterate>
+                                  <p:childTnLst>
+                                    <p:set>
+                                      <p:cBhvr>
+                                        <p:cTn id="20" fill="hold"/>
+                                        <p:tgtEl>
+                                          <p:spTgt spid="141">
+                                            <p:txEl>
+                                              <p:pRg st="5" end="5"/>
+                                            </p:txEl>
+                                          </p:spTgt>
+                                        </p:tgtEl>
+                                        <p:attrNameLst>
+                                          <p:attrName>style.visibility</p:attrName>
+                                        </p:attrNameLst>
+                                      </p:cBhvr>
+                                      <p:to>
+                                        <p:strVal val="visible"/>
+                                      </p:to>
+                                    </p:set>
+                                  </p:childTnLst>
+                                </p:cTn>
+                              </p:par>
+                              <p:par>
+                                <p:cTn id="21" presetClass="entr" nodeType="withEffect" presetSubtype="0" presetID="1" grpId="1" fill="hold">
+                                  <p:stCondLst>
+                                    <p:cond delay="0"/>
+                                  </p:stCondLst>
+                                  <p:iterate type="el" backwards="0">
+                                    <p:tmAbs val="0"/>
+                                  </p:iterate>
+                                  <p:childTnLst>
+                                    <p:set>
+                                      <p:cBhvr>
+                                        <p:cTn id="22" fill="hold"/>
+                                        <p:tgtEl>
+                                          <p:spTgt spid="141">
+                                            <p:txEl>
+                                              <p:pRg st="6" end="6"/>
+                                            </p:txEl>
+                                          </p:spTgt>
+                                        </p:tgtEl>
+                                        <p:attrNameLst>
+                                          <p:attrName>style.visibility</p:attrName>
+                                        </p:attrNameLst>
+                                      </p:cBhvr>
+                                      <p:to>
+                                        <p:strVal val="visible"/>
+                                      </p:to>
+                                    </p:set>
+                                  </p:childTnLst>
+                                </p:cTn>
+                              </p:par>
+                              <p:par>
+                                <p:cTn id="23" presetClass="entr" nodeType="withEffect" presetSubtype="0" presetID="1" grpId="1" fill="hold">
+                                  <p:stCondLst>
+                                    <p:cond delay="0"/>
+                                  </p:stCondLst>
+                                  <p:iterate type="el" backwards="0">
+                                    <p:tmAbs val="0"/>
+                                  </p:iterate>
+                                  <p:childTnLst>
+                                    <p:set>
+                                      <p:cBhvr>
+                                        <p:cTn id="24" fill="hold"/>
+                                        <p:tgtEl>
+                                          <p:spTgt spid="141">
+                                            <p:txEl>
+                                              <p:pRg st="7" end="7"/>
                                             </p:txEl>
                                           </p:spTgt>
                                         </p:tgtEl>
@@ -11145,7 +12102,7 @@
       </p:sp>
       <p:sp>
         <p:nvSpPr>
-          <p:cNvPr id="39" name="Text book 1: Levitin"/>
+          <p:cNvPr id="39" name="Text book 1: Levitin…"/>
           <p:cNvSpPr txBox="1"/>
           <p:nvPr>
             <p:ph type="body" idx="1"/>
@@ -11163,6 +12120,12 @@
             <a:pPr/>
             <a:r>
               <a:t>Text book 1: Levitin</a:t>
+            </a:r>
+          </a:p>
+          <a:p>
+            <a:pPr/>
+            <a:r>
+              <a:t>https://brainly.com/</a:t>
             </a:r>
           </a:p>
         </p:txBody>
@@ -11313,7 +12276,7 @@
       </p:grpSpPr>
       <p:sp>
         <p:nvSpPr>
-          <p:cNvPr id="146" name="Exercises-C"/>
+          <p:cNvPr id="146" name="Summary : Analysis Framework"/>
           <p:cNvSpPr txBox="1"/>
           <p:nvPr>
             <p:ph type="title"/>
@@ -11330,14 +12293,14 @@
           <a:p>
             <a:pPr/>
             <a:r>
-              <a:t>Exercises-C</a:t>
+              <a:t>Summary : Analysis Framework</a:t>
             </a:r>
           </a:p>
         </p:txBody>
       </p:sp>
       <p:sp>
         <p:nvSpPr>
-          <p:cNvPr id="147" name="Missing socks: Imagine that after washing 5 distinct pairs of socks, you discover that two socks are missing. Of course, you would like to have the largest number of complete pairs remaining. Thus, you are left with 4 complete pairs in the best-case scenario and with 3 complete pairs in the worst case.  Assuming that the probability of disappearance for each of the 10 socks is the same, find the probability of…"/>
+          <p:cNvPr id="147" name="Both time and space efficiencies are measured as functions of the algorithm’s input size…"/>
           <p:cNvSpPr txBox="1"/>
           <p:nvPr>
             <p:ph type="body" idx="1"/>
@@ -11345,8 +12308,8 @@
         </p:nvSpPr>
         <p:spPr>
           <a:xfrm>
-            <a:off x="672711" y="864195"/>
-            <a:ext cx="8814578" cy="5891610"/>
+            <a:off x="887784" y="938113"/>
+            <a:ext cx="8760735" cy="5891610"/>
           </a:xfrm>
           <a:prstGeom prst="rect">
             <a:avLst/>
@@ -11356,50 +12319,46 @@
           <a:bodyPr/>
           <a:lstStyle/>
           <a:p>
-            <a:pPr lvl="1" marL="0" indent="228600">
-              <a:spcBef>
-                <a:spcPts val="700"/>
-              </a:spcBef>
-              <a:buSzTx/>
-              <a:buNone/>
-            </a:pPr>
-            <a:r>
-              <a:t>Missing socks: Imagine that after washing 5 distinct pairs of socks, you discover that two socks are missing. Of course, you would like to have the largest number of complete pairs remaining. Thus, you are left with 4 complete pairs in the best-case scenario and with 3 complete pairs in the worst case.  Assuming that the probability of disappearance for each of the 10 socks is the same, find the probability of </a:t>
-            </a:r>
-          </a:p>
-          <a:p>
-            <a:pPr lvl="1" marL="663178" indent="-267890">
-              <a:spcBef>
-                <a:spcPts val="700"/>
-              </a:spcBef>
-              <a:buChar char="•"/>
-            </a:pPr>
-            <a:r>
-              <a:t>The best-case scenario; </a:t>
-            </a:r>
-          </a:p>
-          <a:p>
-            <a:pPr lvl="1" marL="663178" indent="-267890">
-              <a:spcBef>
-                <a:spcPts val="700"/>
-              </a:spcBef>
-              <a:buChar char="•"/>
-            </a:pPr>
-            <a:r>
-              <a:t>The worst-case scenario; </a:t>
-            </a:r>
-          </a:p>
-          <a:p>
-            <a:pPr lvl="1" marL="663178" indent="-267890">
-              <a:spcBef>
-                <a:spcPts val="700"/>
-              </a:spcBef>
-              <a:buChar char="•"/>
-            </a:pPr>
-            <a:r>
-              <a:t>The number of pairs you should expect in the average case. </a:t>
-            </a:r>
-            <a:endParaRPr sz="1200"/>
+            <a:pPr/>
+            <a:r>
+              <a:t>Both time and space efficiencies are measured as functions of the algorithm’s input size</a:t>
+            </a:r>
+          </a:p>
+          <a:p>
+            <a:pPr/>
+            <a:r>
+              <a:t>Time efficiency is measured by counting the number of times the base operation of algorithm is executed.</a:t>
+            </a:r>
+          </a:p>
+          <a:p>
+            <a:pPr/>
+            <a:r>
+              <a:t>Space efficiency is measured by counting the number of extra memory units consumed by algo.</a:t>
+            </a:r>
+          </a:p>
+          <a:p>
+            <a:pPr/>
+            <a:r>
+              <a:t>Efficiency for same algorithm may vary significantly for inputs of same size. </a:t>
+            </a:r>
+          </a:p>
+          <a:p>
+            <a:pPr lvl="1"/>
+            <a:r>
+              <a:t>Worst case, Best case, and Average case</a:t>
+            </a:r>
+          </a:p>
+          <a:p>
+            <a:pPr/>
+            <a:r>
+              <a:t>Framework primary interest in order of growth</a:t>
+            </a:r>
+          </a:p>
+          <a:p>
+            <a:pPr lvl="1"/>
+            <a:r>
+              <a:t>Running time of algorithm</a:t>
+            </a:r>
           </a:p>
         </p:txBody>
       </p:sp>
@@ -11594,8 +12553,26 @@
                                   </p:childTnLst>
                                 </p:cTn>
                               </p:par>
+                            </p:childTnLst>
+                          </p:cTn>
+                        </p:par>
+                      </p:childTnLst>
+                    </p:cTn>
+                  </p:par>
+                  <p:par>
+                    <p:cTn id="9" fill="hold">
+                      <p:stCondLst>
+                        <p:cond delay="indefinite"/>
+                      </p:stCondLst>
+                      <p:childTnLst>
+                        <p:par>
+                          <p:cTn id="10" fill="hold">
+                            <p:stCondLst>
+                              <p:cond delay="0"/>
+                            </p:stCondLst>
+                            <p:childTnLst>
                               <p:par>
-                                <p:cTn id="9" presetClass="entr" nodeType="withEffect" presetSubtype="0" presetID="1" grpId="1" fill="hold">
+                                <p:cTn id="11" presetClass="entr" nodeType="clickEffect" presetSubtype="0" presetID="1" grpId="1" fill="hold">
                                   <p:stCondLst>
                                     <p:cond delay="0"/>
                                   </p:stCondLst>
@@ -11605,7 +12582,7 @@
                                   <p:childTnLst>
                                     <p:set>
                                       <p:cBhvr>
-                                        <p:cTn id="10" fill="hold"/>
+                                        <p:cTn id="12" fill="hold"/>
                                         <p:tgtEl>
                                           <p:spTgt spid="147">
                                             <p:txEl>
@@ -11624,8 +12601,26 @@
                                   </p:childTnLst>
                                 </p:cTn>
                               </p:par>
+                            </p:childTnLst>
+                          </p:cTn>
+                        </p:par>
+                      </p:childTnLst>
+                    </p:cTn>
+                  </p:par>
+                  <p:par>
+                    <p:cTn id="13" fill="hold">
+                      <p:stCondLst>
+                        <p:cond delay="indefinite"/>
+                      </p:stCondLst>
+                      <p:childTnLst>
+                        <p:par>
+                          <p:cTn id="14" fill="hold">
+                            <p:stCondLst>
+                              <p:cond delay="0"/>
+                            </p:stCondLst>
+                            <p:childTnLst>
                               <p:par>
-                                <p:cTn id="11" presetClass="entr" nodeType="withEffect" presetSubtype="0" presetID="1" grpId="1" fill="hold">
+                                <p:cTn id="15" presetClass="entr" nodeType="clickEffect" presetSubtype="0" presetID="1" grpId="1" fill="hold">
                                   <p:stCondLst>
                                     <p:cond delay="0"/>
                                   </p:stCondLst>
@@ -11635,7 +12630,7 @@
                                   <p:childTnLst>
                                     <p:set>
                                       <p:cBhvr>
-                                        <p:cTn id="12" fill="hold"/>
+                                        <p:cTn id="16" fill="hold"/>
                                         <p:tgtEl>
                                           <p:spTgt spid="147">
                                             <p:txEl>
@@ -11654,8 +12649,26 @@
                                   </p:childTnLst>
                                 </p:cTn>
                               </p:par>
+                            </p:childTnLst>
+                          </p:cTn>
+                        </p:par>
+                      </p:childTnLst>
+                    </p:cTn>
+                  </p:par>
+                  <p:par>
+                    <p:cTn id="17" fill="hold">
+                      <p:stCondLst>
+                        <p:cond delay="indefinite"/>
+                      </p:stCondLst>
+                      <p:childTnLst>
+                        <p:par>
+                          <p:cTn id="18" fill="hold">
+                            <p:stCondLst>
+                              <p:cond delay="0"/>
+                            </p:stCondLst>
+                            <p:childTnLst>
                               <p:par>
-                                <p:cTn id="13" presetClass="entr" nodeType="withEffect" presetSubtype="0" presetID="1" grpId="1" fill="hold">
+                                <p:cTn id="19" presetClass="entr" nodeType="clickEffect" presetSubtype="0" presetID="1" grpId="1" fill="hold">
                                   <p:stCondLst>
                                     <p:cond delay="0"/>
                                   </p:stCondLst>
@@ -11665,7 +12678,7 @@
                                   <p:childTnLst>
                                     <p:set>
                                       <p:cBhvr>
-                                        <p:cTn id="14" fill="hold"/>
+                                        <p:cTn id="20" fill="hold"/>
                                         <p:tgtEl>
                                           <p:spTgt spid="147">
                                             <p:txEl>
@@ -11691,19 +12704,19 @@
                     </p:cTn>
                   </p:par>
                   <p:par>
-                    <p:cTn id="15" fill="hold">
+                    <p:cTn id="21" fill="hold">
                       <p:stCondLst>
                         <p:cond delay="indefinite"/>
                       </p:stCondLst>
                       <p:childTnLst>
                         <p:par>
-                          <p:cTn id="16" fill="hold">
+                          <p:cTn id="22" fill="hold">
                             <p:stCondLst>
                               <p:cond delay="0"/>
                             </p:stCondLst>
                             <p:childTnLst>
                               <p:par>
-                                <p:cTn id="17" presetClass="entr" nodeType="clickEffect" presetSubtype="0" presetID="1" grpId="1" fill="hold">
+                                <p:cTn id="23" presetClass="entr" nodeType="clickEffect" presetSubtype="0" presetID="1" grpId="1" fill="hold">
                                   <p:stCondLst>
                                     <p:cond delay="0"/>
                                   </p:stCondLst>
@@ -11713,11 +12726,107 @@
                                   <p:childTnLst>
                                     <p:set>
                                       <p:cBhvr>
-                                        <p:cTn id="18" fill="hold"/>
+                                        <p:cTn id="24" fill="hold"/>
                                         <p:tgtEl>
                                           <p:spTgt spid="147">
                                             <p:txEl>
                                               <p:pRg st="4" end="4"/>
+                                            </p:txEl>
+                                          </p:spTgt>
+                                        </p:tgtEl>
+                                        <p:attrNameLst>
+                                          <p:attrName>style.visibility</p:attrName>
+                                        </p:attrNameLst>
+                                      </p:cBhvr>
+                                      <p:to>
+                                        <p:strVal val="visible"/>
+                                      </p:to>
+                                    </p:set>
+                                  </p:childTnLst>
+                                </p:cTn>
+                              </p:par>
+                            </p:childTnLst>
+                          </p:cTn>
+                        </p:par>
+                      </p:childTnLst>
+                    </p:cTn>
+                  </p:par>
+                  <p:par>
+                    <p:cTn id="25" fill="hold">
+                      <p:stCondLst>
+                        <p:cond delay="indefinite"/>
+                      </p:stCondLst>
+                      <p:childTnLst>
+                        <p:par>
+                          <p:cTn id="26" fill="hold">
+                            <p:stCondLst>
+                              <p:cond delay="0"/>
+                            </p:stCondLst>
+                            <p:childTnLst>
+                              <p:par>
+                                <p:cTn id="27" presetClass="entr" nodeType="clickEffect" presetSubtype="0" presetID="1" grpId="1" fill="hold">
+                                  <p:stCondLst>
+                                    <p:cond delay="0"/>
+                                  </p:stCondLst>
+                                  <p:iterate type="el" backwards="0">
+                                    <p:tmAbs val="0"/>
+                                  </p:iterate>
+                                  <p:childTnLst>
+                                    <p:set>
+                                      <p:cBhvr>
+                                        <p:cTn id="28" fill="hold"/>
+                                        <p:tgtEl>
+                                          <p:spTgt spid="147">
+                                            <p:txEl>
+                                              <p:pRg st="5" end="5"/>
+                                            </p:txEl>
+                                          </p:spTgt>
+                                        </p:tgtEl>
+                                        <p:attrNameLst>
+                                          <p:attrName>style.visibility</p:attrName>
+                                        </p:attrNameLst>
+                                      </p:cBhvr>
+                                      <p:to>
+                                        <p:strVal val="visible"/>
+                                      </p:to>
+                                    </p:set>
+                                  </p:childTnLst>
+                                </p:cTn>
+                              </p:par>
+                            </p:childTnLst>
+                          </p:cTn>
+                        </p:par>
+                      </p:childTnLst>
+                    </p:cTn>
+                  </p:par>
+                  <p:par>
+                    <p:cTn id="29" fill="hold">
+                      <p:stCondLst>
+                        <p:cond delay="indefinite"/>
+                      </p:stCondLst>
+                      <p:childTnLst>
+                        <p:par>
+                          <p:cTn id="30" fill="hold">
+                            <p:stCondLst>
+                              <p:cond delay="0"/>
+                            </p:stCondLst>
+                            <p:childTnLst>
+                              <p:par>
+                                <p:cTn id="31" presetClass="entr" nodeType="clickEffect" presetSubtype="0" presetID="1" grpId="1" fill="hold">
+                                  <p:stCondLst>
+                                    <p:cond delay="0"/>
+                                  </p:stCondLst>
+                                  <p:iterate type="el" backwards="0">
+                                    <p:tmAbs val="0"/>
+                                  </p:iterate>
+                                  <p:childTnLst>
+                                    <p:set>
+                                      <p:cBhvr>
+                                        <p:cTn id="32" fill="hold"/>
+                                        <p:tgtEl>
+                                          <p:spTgt spid="147">
+                                            <p:txEl>
+                                              <p:pRg st="6" end="6"/>
                                             </p:txEl>
                                           </p:spTgt>
                                         </p:tgtEl>
@@ -11760,7 +12869,7 @@
       </p:par>
     </p:tnLst>
     <p:bldLst>
-      <p:bldP build="p" bldLvl="1" animBg="1" rev="0" advAuto="0" spid="147" grpId="1"/>
+      <p:bldP build="p" bldLvl="5" animBg="1" rev="0" advAuto="0" spid="147" grpId="1"/>
     </p:bldLst>
   </p:timing>
 </p:sld>
@@ -11836,7 +12945,7 @@
           <a:p>
             <a:pPr lvl="1"/>
             <a:r>
-              <a:t>detailed examination of the elements or structure of something, typically as a basis for discussion or interpretation. </a:t>
+              <a:t>Detailed examination of the elements or structure of something, typically as a basis for discussion or interpretation. </a:t>
             </a:r>
           </a:p>
           <a:p>
@@ -12375,7 +13484,7 @@
               </a:defRPr>
             </a:pPr>
             <a:r>
-              <a:t>correctness</a:t>
+              <a:t>Correctness</a:t>
             </a:r>
           </a:p>
           <a:p>
@@ -12396,7 +13505,7 @@
               </a:defRPr>
             </a:pPr>
             <a:r>
-              <a:t>time efficiency</a:t>
+              <a:t>Time efficiency</a:t>
             </a:r>
           </a:p>
           <a:p>
@@ -12417,7 +13526,7 @@
               </a:defRPr>
             </a:pPr>
             <a:r>
-              <a:t>space efficiency</a:t>
+              <a:t>Space efficiency</a:t>
             </a:r>
           </a:p>
           <a:p>
@@ -12438,7 +13547,7 @@
               </a:defRPr>
             </a:pPr>
             <a:r>
-              <a:t>optimality</a:t>
+              <a:t>Optimality</a:t>
             </a:r>
           </a:p>
           <a:p>
@@ -12490,7 +13599,7 @@
               </a:defRPr>
             </a:pPr>
             <a:r>
-              <a:t>theoretical analysis</a:t>
+              <a:t>Theoretical analysis</a:t>
             </a:r>
             <a:endParaRPr>
               <a:effectLst>
@@ -12518,7 +13627,7 @@
               </a:defRPr>
             </a:pPr>
             <a:r>
-              <a:t>empirical analysis</a:t>
+              <a:t>Empirical analysis</a:t>
             </a:r>
           </a:p>
           <a:p>
@@ -13515,7 +14624,7 @@
           <a:p>
             <a:pPr lvl="1"/>
             <a:r>
-              <a:t>Number of additions (single digit): 5</a:t>
+              <a:t>Number of additions (single digit): 5 (or 4)</a:t>
             </a:r>
           </a:p>
           <a:p>
@@ -13527,7 +14636,19 @@
           <a:p>
             <a:pPr lvl="1"/>
             <a:r>
-              <a:t>Total space requirement: 14 digits</a:t>
+              <a:t>Total space requirement: </a:t>
+            </a:r>
+            <a:r>
+              <a:rPr>
+                <a:latin typeface="Arial"/>
+                <a:ea typeface="Arial"/>
+                <a:cs typeface="Arial"/>
+                <a:sym typeface="Arial"/>
+              </a:rPr>
+              <a:t>14</a:t>
+            </a:r>
+            <a:r>
+              <a:t> digits</a:t>
             </a:r>
           </a:p>
           <a:p>
@@ -13539,7 +14660,19 @@
           <a:p>
             <a:pPr lvl="1"/>
             <a:r>
-              <a:t>Store all multiplication values in an 100x100 array.</a:t>
+              <a:t>Store all multiplication values in an </a:t>
+            </a:r>
+            <a:r>
+              <a:rPr>
+                <a:latin typeface="Arial"/>
+                <a:ea typeface="Arial"/>
+                <a:cs typeface="Arial"/>
+                <a:sym typeface="Arial"/>
+              </a:rPr>
+              <a:t>100x100</a:t>
+            </a:r>
+            <a:r>
+              <a:t> array.</a:t>
             </a:r>
           </a:p>
           <a:p>
@@ -13557,7 +14690,19 @@
           <a:p>
             <a:pPr lvl="1"/>
             <a:r>
-              <a:t>Space requirement: 10000 memory locations</a:t>
+              <a:t>Space requirement: </a:t>
+            </a:r>
+            <a:r>
+              <a:rPr>
+                <a:latin typeface="Arial"/>
+                <a:ea typeface="Arial"/>
+                <a:cs typeface="Arial"/>
+                <a:sym typeface="Arial"/>
+              </a:rPr>
+              <a:t>10000</a:t>
+            </a:r>
+            <a:r>
+              <a:t> memory locations</a:t>
             </a:r>
           </a:p>
         </p:txBody>

--- a/Slides-RPR/2019-H1-DAA-L05-Algo-Performance.pptx
+++ b/Slides-RPR/2019-H1-DAA-L05-Algo-Performance.pptx
@@ -7086,7 +7086,7 @@
       </p:grpSpPr>
       <p:sp>
         <p:nvSpPr>
-          <p:cNvPr id="116" name="Amortised Efficiency"/>
+          <p:cNvPr id="116" name="Order of Growth"/>
           <p:cNvSpPr txBox="1"/>
           <p:nvPr>
             <p:ph type="title"/>
@@ -7103,84 +7103,14 @@
           <a:p>
             <a:pPr/>
             <a:r>
-              <a:t>Amortised Efficiency</a:t>
+              <a:t>Order of Growth</a:t>
             </a:r>
           </a:p>
         </p:txBody>
       </p:sp>
       <p:sp>
         <p:nvSpPr>
-          <p:cNvPr id="117" name="So far, efficiency is related to a single run of algorithm.…"/>
-          <p:cNvSpPr txBox="1"/>
-          <p:nvPr>
-            <p:ph type="body" idx="1"/>
-          </p:nvPr>
-        </p:nvSpPr>
-        <p:spPr>
-          <a:xfrm>
-            <a:off x="887784" y="938113"/>
-            <a:ext cx="8915318" cy="5891610"/>
-          </a:xfrm>
-          <a:prstGeom prst="rect">
-            <a:avLst/>
-          </a:prstGeom>
-        </p:spPr>
-        <p:txBody>
-          <a:bodyPr/>
-          <a:lstStyle/>
-          <a:p>
-            <a:pPr/>
-            <a:r>
-              <a:t>So far, efficiency is related to a single run of algorithm.</a:t>
-            </a:r>
-          </a:p>
-          <a:p>
-            <a:pPr/>
-            <a:r>
-              <a:t>In some cases, single run can be very expensive, but subsequent run can be much cheaper</a:t>
-            </a:r>
-          </a:p>
-          <a:p>
-            <a:pPr lvl="1"/>
-            <a:r>
-              <a:t>Real life example: </a:t>
-            </a:r>
-          </a:p>
-          <a:p>
-            <a:pPr lvl="2"/>
-            <a:r>
-              <a:t>To drink water, dig a well.</a:t>
-            </a:r>
-          </a:p>
-          <a:p>
-            <a:pPr lvl="3"/>
-            <a:r>
-              <a:t>First time very costly, subsequently minimal cost</a:t>
-            </a:r>
-          </a:p>
-          <a:p>
-            <a:pPr lvl="2"/>
-            <a:r>
-              <a:t>Giving a lecture first time on new topic</a:t>
-            </a:r>
-          </a:p>
-          <a:p>
-            <a:pPr lvl="3"/>
-            <a:r>
-              <a:t>Subsequent lectures on same topic much easier</a:t>
-            </a:r>
-          </a:p>
-          <a:p>
-            <a:pPr/>
-            <a:r>
-              <a:t>Thus, amortise the cost over n operations</a:t>
-            </a:r>
-          </a:p>
-        </p:txBody>
-      </p:sp>
-      <p:sp>
-        <p:nvSpPr>
-          <p:cNvPr id="118" name="Slide Number"/>
+          <p:cNvPr id="117" name="Slide Number"/>
           <p:cNvSpPr txBox="1"/>
           <p:nvPr>
             <p:ph type="sldNum" sz="quarter" idx="2"/>
@@ -7207,7 +7137,7 @@
       </p:sp>
       <p:sp>
         <p:nvSpPr>
-          <p:cNvPr id="119" name="DAA/Analysis Framework"/>
+          <p:cNvPr id="118" name="DAA/Analysis Framework"/>
           <p:cNvSpPr txBox="1"/>
           <p:nvPr/>
         </p:nvSpPr>
@@ -7247,7 +7177,7 @@
       </p:sp>
       <p:sp>
         <p:nvSpPr>
-          <p:cNvPr id="120" name="RPR/"/>
+          <p:cNvPr id="119" name="RPR/"/>
           <p:cNvSpPr txBox="1"/>
           <p:nvPr/>
         </p:nvSpPr>
@@ -7285,611 +7215,9 @@
           </a:p>
         </p:txBody>
       </p:sp>
-    </p:spTree>
-  </p:cSld>
-  <p:clrMapOvr>
-    <a:masterClrMapping/>
-  </p:clrMapOvr>
-  <p:transition xmlns:p14="http://schemas.microsoft.com/office/powerpoint/2010/main" spd="med" advClick="1"/>
-  <p:timing>
-    <p:tnLst>
-      <p:par>
-        <p:cTn id="1" nodeType="tmRoot" restart="never" dur="indefinite" fill="hold">
-          <p:childTnLst>
-            <p:seq concurrent="1" prevAc="none" nextAc="seek">
-              <p:cTn id="2" nodeType="mainSeq" dur="indefinite" fill="hold">
-                <p:childTnLst>
-                  <p:par>
-                    <p:cTn id="3" fill="hold">
-                      <p:stCondLst>
-                        <p:cond delay="indefinite"/>
-                      </p:stCondLst>
-                      <p:childTnLst>
-                        <p:par>
-                          <p:cTn id="4" fill="hold">
-                            <p:stCondLst>
-                              <p:cond delay="0"/>
-                            </p:stCondLst>
-                            <p:childTnLst>
-                              <p:par>
-                                <p:cTn id="5" presetClass="entr" nodeType="clickEffect" presetSubtype="0" presetID="1" grpId="1" fill="hold">
-                                  <p:stCondLst>
-                                    <p:cond delay="0"/>
-                                  </p:stCondLst>
-                                  <p:iterate type="el" backwards="0">
-                                    <p:tmAbs val="0"/>
-                                  </p:iterate>
-                                  <p:childTnLst>
-                                    <p:set>
-                                      <p:cBhvr>
-                                        <p:cTn id="6" fill="hold"/>
-                                        <p:tgtEl>
-                                          <p:spTgt spid="117">
-                                            <p:bg/>
-                                          </p:spTgt>
-                                        </p:tgtEl>
-                                        <p:attrNameLst>
-                                          <p:attrName>style.visibility</p:attrName>
-                                        </p:attrNameLst>
-                                      </p:cBhvr>
-                                      <p:to>
-                                        <p:strVal val="visible"/>
-                                      </p:to>
-                                    </p:set>
-                                  </p:childTnLst>
-                                </p:cTn>
-                              </p:par>
-                              <p:par>
-                                <p:cTn id="7" presetClass="entr" nodeType="withEffect" presetSubtype="0" presetID="1" grpId="1" fill="hold">
-                                  <p:stCondLst>
-                                    <p:cond delay="0"/>
-                                  </p:stCondLst>
-                                  <p:iterate type="el" backwards="0">
-                                    <p:tmAbs val="0"/>
-                                  </p:iterate>
-                                  <p:childTnLst>
-                                    <p:set>
-                                      <p:cBhvr>
-                                        <p:cTn id="8" fill="hold"/>
-                                        <p:tgtEl>
-                                          <p:spTgt spid="117">
-                                            <p:txEl>
-                                              <p:pRg st="0" end="0"/>
-                                            </p:txEl>
-                                          </p:spTgt>
-                                        </p:tgtEl>
-                                        <p:attrNameLst>
-                                          <p:attrName>style.visibility</p:attrName>
-                                        </p:attrNameLst>
-                                      </p:cBhvr>
-                                      <p:to>
-                                        <p:strVal val="visible"/>
-                                      </p:to>
-                                    </p:set>
-                                  </p:childTnLst>
-                                </p:cTn>
-                              </p:par>
-                            </p:childTnLst>
-                          </p:cTn>
-                        </p:par>
-                      </p:childTnLst>
-                    </p:cTn>
-                  </p:par>
-                  <p:par>
-                    <p:cTn id="9" fill="hold">
-                      <p:stCondLst>
-                        <p:cond delay="indefinite"/>
-                      </p:stCondLst>
-                      <p:childTnLst>
-                        <p:par>
-                          <p:cTn id="10" fill="hold">
-                            <p:stCondLst>
-                              <p:cond delay="0"/>
-                            </p:stCondLst>
-                            <p:childTnLst>
-                              <p:par>
-                                <p:cTn id="11" presetClass="entr" nodeType="clickEffect" presetSubtype="0" presetID="1" grpId="1" fill="hold">
-                                  <p:stCondLst>
-                                    <p:cond delay="0"/>
-                                  </p:stCondLst>
-                                  <p:iterate type="el" backwards="0">
-                                    <p:tmAbs val="0"/>
-                                  </p:iterate>
-                                  <p:childTnLst>
-                                    <p:set>
-                                      <p:cBhvr>
-                                        <p:cTn id="12" fill="hold"/>
-                                        <p:tgtEl>
-                                          <p:spTgt spid="117">
-                                            <p:txEl>
-                                              <p:pRg st="1" end="1"/>
-                                            </p:txEl>
-                                          </p:spTgt>
-                                        </p:tgtEl>
-                                        <p:attrNameLst>
-                                          <p:attrName>style.visibility</p:attrName>
-                                        </p:attrNameLst>
-                                      </p:cBhvr>
-                                      <p:to>
-                                        <p:strVal val="visible"/>
-                                      </p:to>
-                                    </p:set>
-                                  </p:childTnLst>
-                                </p:cTn>
-                              </p:par>
-                            </p:childTnLst>
-                          </p:cTn>
-                        </p:par>
-                      </p:childTnLst>
-                    </p:cTn>
-                  </p:par>
-                  <p:par>
-                    <p:cTn id="13" fill="hold">
-                      <p:stCondLst>
-                        <p:cond delay="indefinite"/>
-                      </p:stCondLst>
-                      <p:childTnLst>
-                        <p:par>
-                          <p:cTn id="14" fill="hold">
-                            <p:stCondLst>
-                              <p:cond delay="0"/>
-                            </p:stCondLst>
-                            <p:childTnLst>
-                              <p:par>
-                                <p:cTn id="15" presetClass="entr" nodeType="clickEffect" presetSubtype="0" presetID="1" grpId="1" fill="hold">
-                                  <p:stCondLst>
-                                    <p:cond delay="0"/>
-                                  </p:stCondLst>
-                                  <p:iterate type="el" backwards="0">
-                                    <p:tmAbs val="0"/>
-                                  </p:iterate>
-                                  <p:childTnLst>
-                                    <p:set>
-                                      <p:cBhvr>
-                                        <p:cTn id="16" fill="hold"/>
-                                        <p:tgtEl>
-                                          <p:spTgt spid="117">
-                                            <p:txEl>
-                                              <p:pRg st="2" end="2"/>
-                                            </p:txEl>
-                                          </p:spTgt>
-                                        </p:tgtEl>
-                                        <p:attrNameLst>
-                                          <p:attrName>style.visibility</p:attrName>
-                                        </p:attrNameLst>
-                                      </p:cBhvr>
-                                      <p:to>
-                                        <p:strVal val="visible"/>
-                                      </p:to>
-                                    </p:set>
-                                  </p:childTnLst>
-                                </p:cTn>
-                              </p:par>
-                            </p:childTnLst>
-                          </p:cTn>
-                        </p:par>
-                      </p:childTnLst>
-                    </p:cTn>
-                  </p:par>
-                  <p:par>
-                    <p:cTn id="17" fill="hold">
-                      <p:stCondLst>
-                        <p:cond delay="indefinite"/>
-                      </p:stCondLst>
-                      <p:childTnLst>
-                        <p:par>
-                          <p:cTn id="18" fill="hold">
-                            <p:stCondLst>
-                              <p:cond delay="0"/>
-                            </p:stCondLst>
-                            <p:childTnLst>
-                              <p:par>
-                                <p:cTn id="19" presetClass="entr" nodeType="clickEffect" presetSubtype="0" presetID="1" grpId="1" fill="hold">
-                                  <p:stCondLst>
-                                    <p:cond delay="0"/>
-                                  </p:stCondLst>
-                                  <p:iterate type="el" backwards="0">
-                                    <p:tmAbs val="0"/>
-                                  </p:iterate>
-                                  <p:childTnLst>
-                                    <p:set>
-                                      <p:cBhvr>
-                                        <p:cTn id="20" fill="hold"/>
-                                        <p:tgtEl>
-                                          <p:spTgt spid="117">
-                                            <p:txEl>
-                                              <p:pRg st="3" end="3"/>
-                                            </p:txEl>
-                                          </p:spTgt>
-                                        </p:tgtEl>
-                                        <p:attrNameLst>
-                                          <p:attrName>style.visibility</p:attrName>
-                                        </p:attrNameLst>
-                                      </p:cBhvr>
-                                      <p:to>
-                                        <p:strVal val="visible"/>
-                                      </p:to>
-                                    </p:set>
-                                  </p:childTnLst>
-                                </p:cTn>
-                              </p:par>
-                            </p:childTnLst>
-                          </p:cTn>
-                        </p:par>
-                      </p:childTnLst>
-                    </p:cTn>
-                  </p:par>
-                  <p:par>
-                    <p:cTn id="21" fill="hold">
-                      <p:stCondLst>
-                        <p:cond delay="indefinite"/>
-                      </p:stCondLst>
-                      <p:childTnLst>
-                        <p:par>
-                          <p:cTn id="22" fill="hold">
-                            <p:stCondLst>
-                              <p:cond delay="0"/>
-                            </p:stCondLst>
-                            <p:childTnLst>
-                              <p:par>
-                                <p:cTn id="23" presetClass="entr" nodeType="clickEffect" presetSubtype="0" presetID="1" grpId="1" fill="hold">
-                                  <p:stCondLst>
-                                    <p:cond delay="0"/>
-                                  </p:stCondLst>
-                                  <p:iterate type="el" backwards="0">
-                                    <p:tmAbs val="0"/>
-                                  </p:iterate>
-                                  <p:childTnLst>
-                                    <p:set>
-                                      <p:cBhvr>
-                                        <p:cTn id="24" fill="hold"/>
-                                        <p:tgtEl>
-                                          <p:spTgt spid="117">
-                                            <p:txEl>
-                                              <p:pRg st="4" end="4"/>
-                                            </p:txEl>
-                                          </p:spTgt>
-                                        </p:tgtEl>
-                                        <p:attrNameLst>
-                                          <p:attrName>style.visibility</p:attrName>
-                                        </p:attrNameLst>
-                                      </p:cBhvr>
-                                      <p:to>
-                                        <p:strVal val="visible"/>
-                                      </p:to>
-                                    </p:set>
-                                  </p:childTnLst>
-                                </p:cTn>
-                              </p:par>
-                            </p:childTnLst>
-                          </p:cTn>
-                        </p:par>
-                      </p:childTnLst>
-                    </p:cTn>
-                  </p:par>
-                  <p:par>
-                    <p:cTn id="25" fill="hold">
-                      <p:stCondLst>
-                        <p:cond delay="indefinite"/>
-                      </p:stCondLst>
-                      <p:childTnLst>
-                        <p:par>
-                          <p:cTn id="26" fill="hold">
-                            <p:stCondLst>
-                              <p:cond delay="0"/>
-                            </p:stCondLst>
-                            <p:childTnLst>
-                              <p:par>
-                                <p:cTn id="27" presetClass="entr" nodeType="clickEffect" presetSubtype="0" presetID="1" grpId="1" fill="hold">
-                                  <p:stCondLst>
-                                    <p:cond delay="0"/>
-                                  </p:stCondLst>
-                                  <p:iterate type="el" backwards="0">
-                                    <p:tmAbs val="0"/>
-                                  </p:iterate>
-                                  <p:childTnLst>
-                                    <p:set>
-                                      <p:cBhvr>
-                                        <p:cTn id="28" fill="hold"/>
-                                        <p:tgtEl>
-                                          <p:spTgt spid="117">
-                                            <p:txEl>
-                                              <p:pRg st="5" end="5"/>
-                                            </p:txEl>
-                                          </p:spTgt>
-                                        </p:tgtEl>
-                                        <p:attrNameLst>
-                                          <p:attrName>style.visibility</p:attrName>
-                                        </p:attrNameLst>
-                                      </p:cBhvr>
-                                      <p:to>
-                                        <p:strVal val="visible"/>
-                                      </p:to>
-                                    </p:set>
-                                  </p:childTnLst>
-                                </p:cTn>
-                              </p:par>
-                            </p:childTnLst>
-                          </p:cTn>
-                        </p:par>
-                      </p:childTnLst>
-                    </p:cTn>
-                  </p:par>
-                  <p:par>
-                    <p:cTn id="29" fill="hold">
-                      <p:stCondLst>
-                        <p:cond delay="indefinite"/>
-                      </p:stCondLst>
-                      <p:childTnLst>
-                        <p:par>
-                          <p:cTn id="30" fill="hold">
-                            <p:stCondLst>
-                              <p:cond delay="0"/>
-                            </p:stCondLst>
-                            <p:childTnLst>
-                              <p:par>
-                                <p:cTn id="31" presetClass="entr" nodeType="clickEffect" presetSubtype="0" presetID="1" grpId="1" fill="hold">
-                                  <p:stCondLst>
-                                    <p:cond delay="0"/>
-                                  </p:stCondLst>
-                                  <p:iterate type="el" backwards="0">
-                                    <p:tmAbs val="0"/>
-                                  </p:iterate>
-                                  <p:childTnLst>
-                                    <p:set>
-                                      <p:cBhvr>
-                                        <p:cTn id="32" fill="hold"/>
-                                        <p:tgtEl>
-                                          <p:spTgt spid="117">
-                                            <p:txEl>
-                                              <p:pRg st="6" end="6"/>
-                                            </p:txEl>
-                                          </p:spTgt>
-                                        </p:tgtEl>
-                                        <p:attrNameLst>
-                                          <p:attrName>style.visibility</p:attrName>
-                                        </p:attrNameLst>
-                                      </p:cBhvr>
-                                      <p:to>
-                                        <p:strVal val="visible"/>
-                                      </p:to>
-                                    </p:set>
-                                  </p:childTnLst>
-                                </p:cTn>
-                              </p:par>
-                            </p:childTnLst>
-                          </p:cTn>
-                        </p:par>
-                      </p:childTnLst>
-                    </p:cTn>
-                  </p:par>
-                  <p:par>
-                    <p:cTn id="33" fill="hold">
-                      <p:stCondLst>
-                        <p:cond delay="indefinite"/>
-                      </p:stCondLst>
-                      <p:childTnLst>
-                        <p:par>
-                          <p:cTn id="34" fill="hold">
-                            <p:stCondLst>
-                              <p:cond delay="0"/>
-                            </p:stCondLst>
-                            <p:childTnLst>
-                              <p:par>
-                                <p:cTn id="35" presetClass="entr" nodeType="clickEffect" presetSubtype="0" presetID="1" grpId="1" fill="hold">
-                                  <p:stCondLst>
-                                    <p:cond delay="0"/>
-                                  </p:stCondLst>
-                                  <p:iterate type="el" backwards="0">
-                                    <p:tmAbs val="0"/>
-                                  </p:iterate>
-                                  <p:childTnLst>
-                                    <p:set>
-                                      <p:cBhvr>
-                                        <p:cTn id="36" fill="hold"/>
-                                        <p:tgtEl>
-                                          <p:spTgt spid="117">
-                                            <p:txEl>
-                                              <p:pRg st="7" end="7"/>
-                                            </p:txEl>
-                                          </p:spTgt>
-                                        </p:tgtEl>
-                                        <p:attrNameLst>
-                                          <p:attrName>style.visibility</p:attrName>
-                                        </p:attrNameLst>
-                                      </p:cBhvr>
-                                      <p:to>
-                                        <p:strVal val="visible"/>
-                                      </p:to>
-                                    </p:set>
-                                  </p:childTnLst>
-                                </p:cTn>
-                              </p:par>
-                            </p:childTnLst>
-                          </p:cTn>
-                        </p:par>
-                      </p:childTnLst>
-                    </p:cTn>
-                  </p:par>
-                </p:childTnLst>
-              </p:cTn>
-              <p:prevCondLst>
-                <p:cond evt="onPrev">
-                  <p:tgtEl>
-                    <p:sldTgt/>
-                  </p:tgtEl>
-                </p:cond>
-              </p:prevCondLst>
-              <p:nextCondLst>
-                <p:cond evt="onNext">
-                  <p:tgtEl>
-                    <p:sldTgt/>
-                  </p:tgtEl>
-                </p:cond>
-              </p:nextCondLst>
-            </p:seq>
-          </p:childTnLst>
-        </p:cTn>
-      </p:par>
-    </p:tnLst>
-    <p:bldLst>
-      <p:bldP build="p" bldLvl="5" animBg="1" rev="0" advAuto="0" spid="117" grpId="1"/>
-    </p:bldLst>
-  </p:timing>
-</p:sld>
-</file>
-
-<file path=ppt/slides/slide16.xml><?xml version="1.0" encoding="utf-8"?>
-<p:sld xmlns:a="http://schemas.openxmlformats.org/drawingml/2006/main" xmlns:r="http://schemas.openxmlformats.org/officeDocument/2006/relationships" xmlns:p="http://schemas.openxmlformats.org/presentationml/2006/main" xmlns:m="http://schemas.openxmlformats.org/officeDocument/2006/math" xmlns:a14="http://schemas.microsoft.com/office/drawing/2010/main" showMasterSp="1" showMasterPhAnim="1">
-  <p:cSld>
-    <p:spTree>
-      <p:nvGrpSpPr>
-        <p:cNvPr id="1" name=""/>
-        <p:cNvGrpSpPr/>
-        <p:nvPr/>
-      </p:nvGrpSpPr>
-      <p:grpSpPr>
-        <a:xfrm>
-          <a:off x="0" y="0"/>
-          <a:ext cx="0" cy="0"/>
-          <a:chOff x="0" y="0"/>
-          <a:chExt cx="0" cy="0"/>
-        </a:xfrm>
-      </p:grpSpPr>
-      <p:sp>
-        <p:nvSpPr>
-          <p:cNvPr id="122" name="Order of Growth"/>
-          <p:cNvSpPr txBox="1"/>
-          <p:nvPr>
-            <p:ph type="title"/>
-          </p:nvPr>
-        </p:nvSpPr>
-        <p:spPr>
-          <a:prstGeom prst="rect">
-            <a:avLst/>
-          </a:prstGeom>
-        </p:spPr>
-        <p:txBody>
-          <a:bodyPr/>
-          <a:lstStyle/>
-          <a:p>
-            <a:pPr/>
-            <a:r>
-              <a:t>Order of Growth</a:t>
-            </a:r>
-          </a:p>
-        </p:txBody>
-      </p:sp>
-      <p:sp>
-        <p:nvSpPr>
-          <p:cNvPr id="123" name="Slide Number"/>
-          <p:cNvSpPr txBox="1"/>
-          <p:nvPr>
-            <p:ph type="sldNum" sz="quarter" idx="2"/>
-          </p:nvPr>
-        </p:nvSpPr>
-        <p:spPr>
-          <a:prstGeom prst="rect">
-            <a:avLst/>
-          </a:prstGeom>
-          <a:extLst>
-            <a:ext uri="{C572A759-6A51-4108-AA02-DFA0A04FC94B}">
-              <ma14:wrappingTextBoxFlag xmlns:ma14="http://schemas.microsoft.com/office/mac/drawingml/2011/main" val="1"/>
-            </a:ext>
-          </a:extLst>
-        </p:spPr>
-        <p:txBody>
-          <a:bodyPr/>
-          <a:lstStyle/>
-          <a:p>
-            <a:pPr/>
-            <a:fld id="{86CB4B4D-7CA3-9044-876B-883B54F8677D}" type="slidenum"/>
-          </a:p>
-        </p:txBody>
-      </p:sp>
-      <p:sp>
-        <p:nvSpPr>
-          <p:cNvPr id="124" name="DAA/Analysis Framework"/>
-          <p:cNvSpPr txBox="1"/>
-          <p:nvPr/>
-        </p:nvSpPr>
-        <p:spPr>
-          <a:xfrm>
-            <a:off x="423212" y="6963885"/>
-            <a:ext cx="3448061" cy="431552"/>
-          </a:xfrm>
-          <a:prstGeom prst="rect">
-            <a:avLst/>
-          </a:prstGeom>
-          <a:ln w="12700">
-            <a:miter lim="400000"/>
-          </a:ln>
-          <a:extLst>
-            <a:ext uri="{C572A759-6A51-4108-AA02-DFA0A04FC94B}">
-              <ma14:wrappingTextBoxFlag xmlns:ma14="http://schemas.microsoft.com/office/mac/drawingml/2011/main" val="1"/>
-            </a:ext>
-          </a:extLst>
-        </p:spPr>
-        <p:txBody>
-          <a:bodyPr wrap="none" lIns="50800" tIns="50800" rIns="50800" bIns="50800" anchor="ctr">
-            <a:spAutoFit/>
-          </a:bodyPr>
-          <a:lstStyle>
-            <a:lvl1pPr>
-              <a:defRPr sz="2400"/>
-            </a:lvl1pPr>
-          </a:lstStyle>
-          <a:p>
-            <a:pPr/>
-            <a:r>
-              <a:t>DAA/Analysis Framework</a:t>
-            </a:r>
-          </a:p>
-        </p:txBody>
-      </p:sp>
-      <p:sp>
-        <p:nvSpPr>
-          <p:cNvPr id="125" name="RPR/"/>
-          <p:cNvSpPr txBox="1"/>
-          <p:nvPr/>
-        </p:nvSpPr>
-        <p:spPr>
-          <a:xfrm>
-            <a:off x="7535212" y="6988206"/>
-            <a:ext cx="705605" cy="382910"/>
-          </a:xfrm>
-          <a:prstGeom prst="rect">
-            <a:avLst/>
-          </a:prstGeom>
-          <a:ln w="12700">
-            <a:miter lim="400000"/>
-          </a:ln>
-          <a:extLst>
-            <a:ext uri="{C572A759-6A51-4108-AA02-DFA0A04FC94B}">
-              <ma14:wrappingTextBoxFlag xmlns:ma14="http://schemas.microsoft.com/office/mac/drawingml/2011/main" val="1"/>
-            </a:ext>
-          </a:extLst>
-        </p:spPr>
-        <p:txBody>
-          <a:bodyPr wrap="none" lIns="50800" tIns="50800" rIns="50800" bIns="50800" anchor="ctr">
-            <a:spAutoFit/>
-          </a:bodyPr>
-          <a:lstStyle>
-            <a:lvl1pPr>
-              <a:defRPr sz="2000"/>
-            </a:lvl1pPr>
-          </a:lstStyle>
-          <a:p>
-            <a:pPr/>
-            <a:r>
-              <a:t>RPR/</a:t>
-            </a:r>
-          </a:p>
-        </p:txBody>
-      </p:sp>
       <p:graphicFrame>
         <p:nvGraphicFramePr>
-          <p:cNvPr id="126" name="Table"/>
+          <p:cNvPr id="120" name="Table"/>
           <p:cNvGraphicFramePr/>
           <p:nvPr/>
         </p:nvGraphicFramePr>
@@ -9940,7 +9268,7 @@
                                       <p:cBhvr>
                                         <p:cTn id="6" fill="hold"/>
                                         <p:tgtEl>
-                                          <p:spTgt spid="126"/>
+                                          <p:spTgt spid="120"/>
                                         </p:tgtEl>
                                         <p:attrNameLst>
                                           <p:attrName>style.visibility</p:attrName>
@@ -9981,7 +9309,691 @@
       </p:par>
     </p:tnLst>
     <p:bldLst>
-      <p:bldP build="whole" bldLvl="1" animBg="1" rev="0" advAuto="0" spid="126" grpId="1"/>
+      <p:bldP build="whole" bldLvl="1" animBg="1" rev="0" advAuto="0" spid="120" grpId="1"/>
+    </p:bldLst>
+  </p:timing>
+</p:sld>
+</file>
+
+<file path=ppt/slides/slide16.xml><?xml version="1.0" encoding="utf-8"?>
+<p:sld xmlns:a="http://schemas.openxmlformats.org/drawingml/2006/main" xmlns:r="http://schemas.openxmlformats.org/officeDocument/2006/relationships" xmlns:p="http://schemas.openxmlformats.org/presentationml/2006/main" xmlns:m="http://schemas.openxmlformats.org/officeDocument/2006/math" xmlns:a14="http://schemas.microsoft.com/office/drawing/2010/main" showMasterSp="1" showMasterPhAnim="1">
+  <p:cSld>
+    <p:spTree>
+      <p:nvGrpSpPr>
+        <p:cNvPr id="1" name=""/>
+        <p:cNvGrpSpPr/>
+        <p:nvPr/>
+      </p:nvGrpSpPr>
+      <p:grpSpPr>
+        <a:xfrm>
+          <a:off x="0" y="0"/>
+          <a:ext cx="0" cy="0"/>
+          <a:chOff x="0" y="0"/>
+          <a:chExt cx="0" cy="0"/>
+        </a:xfrm>
+      </p:grpSpPr>
+      <p:sp>
+        <p:nvSpPr>
+          <p:cNvPr id="122" name="Amortised Efficiency"/>
+          <p:cNvSpPr txBox="1"/>
+          <p:nvPr>
+            <p:ph type="title"/>
+          </p:nvPr>
+        </p:nvSpPr>
+        <p:spPr>
+          <a:prstGeom prst="rect">
+            <a:avLst/>
+          </a:prstGeom>
+        </p:spPr>
+        <p:txBody>
+          <a:bodyPr/>
+          <a:lstStyle/>
+          <a:p>
+            <a:pPr/>
+            <a:r>
+              <a:t>Amortised Efficiency</a:t>
+            </a:r>
+          </a:p>
+        </p:txBody>
+      </p:sp>
+      <p:sp>
+        <p:nvSpPr>
+          <p:cNvPr id="123" name="So far, efficiency is related to a single run of algorithm.…"/>
+          <p:cNvSpPr txBox="1"/>
+          <p:nvPr>
+            <p:ph type="body" idx="1"/>
+          </p:nvPr>
+        </p:nvSpPr>
+        <p:spPr>
+          <a:xfrm>
+            <a:off x="887784" y="938113"/>
+            <a:ext cx="8915318" cy="5891610"/>
+          </a:xfrm>
+          <a:prstGeom prst="rect">
+            <a:avLst/>
+          </a:prstGeom>
+        </p:spPr>
+        <p:txBody>
+          <a:bodyPr/>
+          <a:lstStyle/>
+          <a:p>
+            <a:pPr/>
+            <a:r>
+              <a:t>So far, efficiency is related to a single run of algorithm.</a:t>
+            </a:r>
+          </a:p>
+          <a:p>
+            <a:pPr/>
+            <a:r>
+              <a:t>In some cases, single run can be very expensive, but subsequent run can be much cheaper</a:t>
+            </a:r>
+          </a:p>
+          <a:p>
+            <a:pPr lvl="1"/>
+            <a:r>
+              <a:t>Real life example: </a:t>
+            </a:r>
+          </a:p>
+          <a:p>
+            <a:pPr lvl="2"/>
+            <a:r>
+              <a:t>To drink water, dig a well.</a:t>
+            </a:r>
+          </a:p>
+          <a:p>
+            <a:pPr lvl="3"/>
+            <a:r>
+              <a:t>First time very costly, subsequently minimal cost</a:t>
+            </a:r>
+          </a:p>
+          <a:p>
+            <a:pPr lvl="2"/>
+            <a:r>
+              <a:t>Giving a lecture first time on new topic</a:t>
+            </a:r>
+          </a:p>
+          <a:p>
+            <a:pPr lvl="3"/>
+            <a:r>
+              <a:t>Subsequent lectures on same topic much easier</a:t>
+            </a:r>
+          </a:p>
+          <a:p>
+            <a:pPr/>
+            <a:r>
+              <a:t>Thus, amortise the cost over </a:t>
+            </a:r>
+            <a:r>
+              <a:rPr>
+                <a:latin typeface="Courier New"/>
+                <a:ea typeface="Courier New"/>
+                <a:cs typeface="Courier New"/>
+                <a:sym typeface="Courier New"/>
+              </a:rPr>
+              <a:t>n</a:t>
+            </a:r>
+            <a:r>
+              <a:t> operations</a:t>
+            </a:r>
+          </a:p>
+        </p:txBody>
+      </p:sp>
+      <p:sp>
+        <p:nvSpPr>
+          <p:cNvPr id="124" name="Slide Number"/>
+          <p:cNvSpPr txBox="1"/>
+          <p:nvPr>
+            <p:ph type="sldNum" sz="quarter" idx="2"/>
+          </p:nvPr>
+        </p:nvSpPr>
+        <p:spPr>
+          <a:prstGeom prst="rect">
+            <a:avLst/>
+          </a:prstGeom>
+          <a:extLst>
+            <a:ext uri="{C572A759-6A51-4108-AA02-DFA0A04FC94B}">
+              <ma14:wrappingTextBoxFlag xmlns:ma14="http://schemas.microsoft.com/office/mac/drawingml/2011/main" val="1"/>
+            </a:ext>
+          </a:extLst>
+        </p:spPr>
+        <p:txBody>
+          <a:bodyPr/>
+          <a:lstStyle/>
+          <a:p>
+            <a:pPr/>
+            <a:fld id="{86CB4B4D-7CA3-9044-876B-883B54F8677D}" type="slidenum"/>
+          </a:p>
+        </p:txBody>
+      </p:sp>
+      <p:sp>
+        <p:nvSpPr>
+          <p:cNvPr id="125" name="DAA/Analysis Framework"/>
+          <p:cNvSpPr txBox="1"/>
+          <p:nvPr/>
+        </p:nvSpPr>
+        <p:spPr>
+          <a:xfrm>
+            <a:off x="423212" y="6963885"/>
+            <a:ext cx="3448061" cy="431552"/>
+          </a:xfrm>
+          <a:prstGeom prst="rect">
+            <a:avLst/>
+          </a:prstGeom>
+          <a:ln w="12700">
+            <a:miter lim="400000"/>
+          </a:ln>
+          <a:extLst>
+            <a:ext uri="{C572A759-6A51-4108-AA02-DFA0A04FC94B}">
+              <ma14:wrappingTextBoxFlag xmlns:ma14="http://schemas.microsoft.com/office/mac/drawingml/2011/main" val="1"/>
+            </a:ext>
+          </a:extLst>
+        </p:spPr>
+        <p:txBody>
+          <a:bodyPr wrap="none" lIns="50800" tIns="50800" rIns="50800" bIns="50800" anchor="ctr">
+            <a:spAutoFit/>
+          </a:bodyPr>
+          <a:lstStyle>
+            <a:lvl1pPr>
+              <a:defRPr sz="2400"/>
+            </a:lvl1pPr>
+          </a:lstStyle>
+          <a:p>
+            <a:pPr/>
+            <a:r>
+              <a:t>DAA/Analysis Framework</a:t>
+            </a:r>
+          </a:p>
+        </p:txBody>
+      </p:sp>
+      <p:sp>
+        <p:nvSpPr>
+          <p:cNvPr id="126" name="RPR/"/>
+          <p:cNvSpPr txBox="1"/>
+          <p:nvPr/>
+        </p:nvSpPr>
+        <p:spPr>
+          <a:xfrm>
+            <a:off x="7535212" y="6988206"/>
+            <a:ext cx="705605" cy="382910"/>
+          </a:xfrm>
+          <a:prstGeom prst="rect">
+            <a:avLst/>
+          </a:prstGeom>
+          <a:ln w="12700">
+            <a:miter lim="400000"/>
+          </a:ln>
+          <a:extLst>
+            <a:ext uri="{C572A759-6A51-4108-AA02-DFA0A04FC94B}">
+              <ma14:wrappingTextBoxFlag xmlns:ma14="http://schemas.microsoft.com/office/mac/drawingml/2011/main" val="1"/>
+            </a:ext>
+          </a:extLst>
+        </p:spPr>
+        <p:txBody>
+          <a:bodyPr wrap="none" lIns="50800" tIns="50800" rIns="50800" bIns="50800" anchor="ctr">
+            <a:spAutoFit/>
+          </a:bodyPr>
+          <a:lstStyle>
+            <a:lvl1pPr>
+              <a:defRPr sz="2000"/>
+            </a:lvl1pPr>
+          </a:lstStyle>
+          <a:p>
+            <a:pPr/>
+            <a:r>
+              <a:t>RPR/</a:t>
+            </a:r>
+          </a:p>
+        </p:txBody>
+      </p:sp>
+    </p:spTree>
+  </p:cSld>
+  <p:clrMapOvr>
+    <a:masterClrMapping/>
+  </p:clrMapOvr>
+  <p:transition xmlns:p14="http://schemas.microsoft.com/office/powerpoint/2010/main" spd="med" advClick="1"/>
+  <p:timing>
+    <p:tnLst>
+      <p:par>
+        <p:cTn id="1" nodeType="tmRoot" restart="never" dur="indefinite" fill="hold">
+          <p:childTnLst>
+            <p:seq concurrent="1" prevAc="none" nextAc="seek">
+              <p:cTn id="2" nodeType="mainSeq" dur="indefinite" fill="hold">
+                <p:childTnLst>
+                  <p:par>
+                    <p:cTn id="3" fill="hold">
+                      <p:stCondLst>
+                        <p:cond delay="indefinite"/>
+                      </p:stCondLst>
+                      <p:childTnLst>
+                        <p:par>
+                          <p:cTn id="4" fill="hold">
+                            <p:stCondLst>
+                              <p:cond delay="0"/>
+                            </p:stCondLst>
+                            <p:childTnLst>
+                              <p:par>
+                                <p:cTn id="5" presetClass="entr" nodeType="clickEffect" presetSubtype="0" presetID="1" grpId="1" fill="hold">
+                                  <p:stCondLst>
+                                    <p:cond delay="0"/>
+                                  </p:stCondLst>
+                                  <p:iterate type="el" backwards="0">
+                                    <p:tmAbs val="0"/>
+                                  </p:iterate>
+                                  <p:childTnLst>
+                                    <p:set>
+                                      <p:cBhvr>
+                                        <p:cTn id="6" fill="hold"/>
+                                        <p:tgtEl>
+                                          <p:spTgt spid="123">
+                                            <p:bg/>
+                                          </p:spTgt>
+                                        </p:tgtEl>
+                                        <p:attrNameLst>
+                                          <p:attrName>style.visibility</p:attrName>
+                                        </p:attrNameLst>
+                                      </p:cBhvr>
+                                      <p:to>
+                                        <p:strVal val="visible"/>
+                                      </p:to>
+                                    </p:set>
+                                  </p:childTnLst>
+                                </p:cTn>
+                              </p:par>
+                              <p:par>
+                                <p:cTn id="7" presetClass="entr" nodeType="withEffect" presetSubtype="0" presetID="1" grpId="1" fill="hold">
+                                  <p:stCondLst>
+                                    <p:cond delay="0"/>
+                                  </p:stCondLst>
+                                  <p:iterate type="el" backwards="0">
+                                    <p:tmAbs val="0"/>
+                                  </p:iterate>
+                                  <p:childTnLst>
+                                    <p:set>
+                                      <p:cBhvr>
+                                        <p:cTn id="8" fill="hold"/>
+                                        <p:tgtEl>
+                                          <p:spTgt spid="123">
+                                            <p:txEl>
+                                              <p:pRg st="0" end="0"/>
+                                            </p:txEl>
+                                          </p:spTgt>
+                                        </p:tgtEl>
+                                        <p:attrNameLst>
+                                          <p:attrName>style.visibility</p:attrName>
+                                        </p:attrNameLst>
+                                      </p:cBhvr>
+                                      <p:to>
+                                        <p:strVal val="visible"/>
+                                      </p:to>
+                                    </p:set>
+                                  </p:childTnLst>
+                                </p:cTn>
+                              </p:par>
+                            </p:childTnLst>
+                          </p:cTn>
+                        </p:par>
+                      </p:childTnLst>
+                    </p:cTn>
+                  </p:par>
+                  <p:par>
+                    <p:cTn id="9" fill="hold">
+                      <p:stCondLst>
+                        <p:cond delay="indefinite"/>
+                      </p:stCondLst>
+                      <p:childTnLst>
+                        <p:par>
+                          <p:cTn id="10" fill="hold">
+                            <p:stCondLst>
+                              <p:cond delay="0"/>
+                            </p:stCondLst>
+                            <p:childTnLst>
+                              <p:par>
+                                <p:cTn id="11" presetClass="entr" nodeType="clickEffect" presetSubtype="0" presetID="1" grpId="1" fill="hold">
+                                  <p:stCondLst>
+                                    <p:cond delay="0"/>
+                                  </p:stCondLst>
+                                  <p:iterate type="el" backwards="0">
+                                    <p:tmAbs val="0"/>
+                                  </p:iterate>
+                                  <p:childTnLst>
+                                    <p:set>
+                                      <p:cBhvr>
+                                        <p:cTn id="12" fill="hold"/>
+                                        <p:tgtEl>
+                                          <p:spTgt spid="123">
+                                            <p:txEl>
+                                              <p:pRg st="1" end="1"/>
+                                            </p:txEl>
+                                          </p:spTgt>
+                                        </p:tgtEl>
+                                        <p:attrNameLst>
+                                          <p:attrName>style.visibility</p:attrName>
+                                        </p:attrNameLst>
+                                      </p:cBhvr>
+                                      <p:to>
+                                        <p:strVal val="visible"/>
+                                      </p:to>
+                                    </p:set>
+                                  </p:childTnLst>
+                                </p:cTn>
+                              </p:par>
+                            </p:childTnLst>
+                          </p:cTn>
+                        </p:par>
+                      </p:childTnLst>
+                    </p:cTn>
+                  </p:par>
+                  <p:par>
+                    <p:cTn id="13" fill="hold">
+                      <p:stCondLst>
+                        <p:cond delay="indefinite"/>
+                      </p:stCondLst>
+                      <p:childTnLst>
+                        <p:par>
+                          <p:cTn id="14" fill="hold">
+                            <p:stCondLst>
+                              <p:cond delay="0"/>
+                            </p:stCondLst>
+                            <p:childTnLst>
+                              <p:par>
+                                <p:cTn id="15" presetClass="entr" nodeType="clickEffect" presetSubtype="0" presetID="1" grpId="1" fill="hold">
+                                  <p:stCondLst>
+                                    <p:cond delay="0"/>
+                                  </p:stCondLst>
+                                  <p:iterate type="el" backwards="0">
+                                    <p:tmAbs val="0"/>
+                                  </p:iterate>
+                                  <p:childTnLst>
+                                    <p:set>
+                                      <p:cBhvr>
+                                        <p:cTn id="16" fill="hold"/>
+                                        <p:tgtEl>
+                                          <p:spTgt spid="123">
+                                            <p:txEl>
+                                              <p:pRg st="2" end="2"/>
+                                            </p:txEl>
+                                          </p:spTgt>
+                                        </p:tgtEl>
+                                        <p:attrNameLst>
+                                          <p:attrName>style.visibility</p:attrName>
+                                        </p:attrNameLst>
+                                      </p:cBhvr>
+                                      <p:to>
+                                        <p:strVal val="visible"/>
+                                      </p:to>
+                                    </p:set>
+                                  </p:childTnLst>
+                                </p:cTn>
+                              </p:par>
+                            </p:childTnLst>
+                          </p:cTn>
+                        </p:par>
+                      </p:childTnLst>
+                    </p:cTn>
+                  </p:par>
+                  <p:par>
+                    <p:cTn id="17" fill="hold">
+                      <p:stCondLst>
+                        <p:cond delay="indefinite"/>
+                      </p:stCondLst>
+                      <p:childTnLst>
+                        <p:par>
+                          <p:cTn id="18" fill="hold">
+                            <p:stCondLst>
+                              <p:cond delay="0"/>
+                            </p:stCondLst>
+                            <p:childTnLst>
+                              <p:par>
+                                <p:cTn id="19" presetClass="entr" nodeType="clickEffect" presetSubtype="0" presetID="1" grpId="1" fill="hold">
+                                  <p:stCondLst>
+                                    <p:cond delay="0"/>
+                                  </p:stCondLst>
+                                  <p:iterate type="el" backwards="0">
+                                    <p:tmAbs val="0"/>
+                                  </p:iterate>
+                                  <p:childTnLst>
+                                    <p:set>
+                                      <p:cBhvr>
+                                        <p:cTn id="20" fill="hold"/>
+                                        <p:tgtEl>
+                                          <p:spTgt spid="123">
+                                            <p:txEl>
+                                              <p:pRg st="3" end="3"/>
+                                            </p:txEl>
+                                          </p:spTgt>
+                                        </p:tgtEl>
+                                        <p:attrNameLst>
+                                          <p:attrName>style.visibility</p:attrName>
+                                        </p:attrNameLst>
+                                      </p:cBhvr>
+                                      <p:to>
+                                        <p:strVal val="visible"/>
+                                      </p:to>
+                                    </p:set>
+                                  </p:childTnLst>
+                                </p:cTn>
+                              </p:par>
+                            </p:childTnLst>
+                          </p:cTn>
+                        </p:par>
+                      </p:childTnLst>
+                    </p:cTn>
+                  </p:par>
+                  <p:par>
+                    <p:cTn id="21" fill="hold">
+                      <p:stCondLst>
+                        <p:cond delay="indefinite"/>
+                      </p:stCondLst>
+                      <p:childTnLst>
+                        <p:par>
+                          <p:cTn id="22" fill="hold">
+                            <p:stCondLst>
+                              <p:cond delay="0"/>
+                            </p:stCondLst>
+                            <p:childTnLst>
+                              <p:par>
+                                <p:cTn id="23" presetClass="entr" nodeType="clickEffect" presetSubtype="0" presetID="1" grpId="1" fill="hold">
+                                  <p:stCondLst>
+                                    <p:cond delay="0"/>
+                                  </p:stCondLst>
+                                  <p:iterate type="el" backwards="0">
+                                    <p:tmAbs val="0"/>
+                                  </p:iterate>
+                                  <p:childTnLst>
+                                    <p:set>
+                                      <p:cBhvr>
+                                        <p:cTn id="24" fill="hold"/>
+                                        <p:tgtEl>
+                                          <p:spTgt spid="123">
+                                            <p:txEl>
+                                              <p:pRg st="4" end="4"/>
+                                            </p:txEl>
+                                          </p:spTgt>
+                                        </p:tgtEl>
+                                        <p:attrNameLst>
+                                          <p:attrName>style.visibility</p:attrName>
+                                        </p:attrNameLst>
+                                      </p:cBhvr>
+                                      <p:to>
+                                        <p:strVal val="visible"/>
+                                      </p:to>
+                                    </p:set>
+                                  </p:childTnLst>
+                                </p:cTn>
+                              </p:par>
+                            </p:childTnLst>
+                          </p:cTn>
+                        </p:par>
+                      </p:childTnLst>
+                    </p:cTn>
+                  </p:par>
+                  <p:par>
+                    <p:cTn id="25" fill="hold">
+                      <p:stCondLst>
+                        <p:cond delay="indefinite"/>
+                      </p:stCondLst>
+                      <p:childTnLst>
+                        <p:par>
+                          <p:cTn id="26" fill="hold">
+                            <p:stCondLst>
+                              <p:cond delay="0"/>
+                            </p:stCondLst>
+                            <p:childTnLst>
+                              <p:par>
+                                <p:cTn id="27" presetClass="entr" nodeType="clickEffect" presetSubtype="0" presetID="1" grpId="1" fill="hold">
+                                  <p:stCondLst>
+                                    <p:cond delay="0"/>
+                                  </p:stCondLst>
+                                  <p:iterate type="el" backwards="0">
+                                    <p:tmAbs val="0"/>
+                                  </p:iterate>
+                                  <p:childTnLst>
+                                    <p:set>
+                                      <p:cBhvr>
+                                        <p:cTn id="28" fill="hold"/>
+                                        <p:tgtEl>
+                                          <p:spTgt spid="123">
+                                            <p:txEl>
+                                              <p:pRg st="5" end="5"/>
+                                            </p:txEl>
+                                          </p:spTgt>
+                                        </p:tgtEl>
+                                        <p:attrNameLst>
+                                          <p:attrName>style.visibility</p:attrName>
+                                        </p:attrNameLst>
+                                      </p:cBhvr>
+                                      <p:to>
+                                        <p:strVal val="visible"/>
+                                      </p:to>
+                                    </p:set>
+                                  </p:childTnLst>
+                                </p:cTn>
+                              </p:par>
+                            </p:childTnLst>
+                          </p:cTn>
+                        </p:par>
+                      </p:childTnLst>
+                    </p:cTn>
+                  </p:par>
+                  <p:par>
+                    <p:cTn id="29" fill="hold">
+                      <p:stCondLst>
+                        <p:cond delay="indefinite"/>
+                      </p:stCondLst>
+                      <p:childTnLst>
+                        <p:par>
+                          <p:cTn id="30" fill="hold">
+                            <p:stCondLst>
+                              <p:cond delay="0"/>
+                            </p:stCondLst>
+                            <p:childTnLst>
+                              <p:par>
+                                <p:cTn id="31" presetClass="entr" nodeType="clickEffect" presetSubtype="0" presetID="1" grpId="1" fill="hold">
+                                  <p:stCondLst>
+                                    <p:cond delay="0"/>
+                                  </p:stCondLst>
+                                  <p:iterate type="el" backwards="0">
+                                    <p:tmAbs val="0"/>
+                                  </p:iterate>
+                                  <p:childTnLst>
+                                    <p:set>
+                                      <p:cBhvr>
+                                        <p:cTn id="32" fill="hold"/>
+                                        <p:tgtEl>
+                                          <p:spTgt spid="123">
+                                            <p:txEl>
+                                              <p:pRg st="6" end="6"/>
+                                            </p:txEl>
+                                          </p:spTgt>
+                                        </p:tgtEl>
+                                        <p:attrNameLst>
+                                          <p:attrName>style.visibility</p:attrName>
+                                        </p:attrNameLst>
+                                      </p:cBhvr>
+                                      <p:to>
+                                        <p:strVal val="visible"/>
+                                      </p:to>
+                                    </p:set>
+                                  </p:childTnLst>
+                                </p:cTn>
+                              </p:par>
+                            </p:childTnLst>
+                          </p:cTn>
+                        </p:par>
+                      </p:childTnLst>
+                    </p:cTn>
+                  </p:par>
+                  <p:par>
+                    <p:cTn id="33" fill="hold">
+                      <p:stCondLst>
+                        <p:cond delay="indefinite"/>
+                      </p:stCondLst>
+                      <p:childTnLst>
+                        <p:par>
+                          <p:cTn id="34" fill="hold">
+                            <p:stCondLst>
+                              <p:cond delay="0"/>
+                            </p:stCondLst>
+                            <p:childTnLst>
+                              <p:par>
+                                <p:cTn id="35" presetClass="entr" nodeType="clickEffect" presetSubtype="0" presetID="1" grpId="1" fill="hold">
+                                  <p:stCondLst>
+                                    <p:cond delay="0"/>
+                                  </p:stCondLst>
+                                  <p:iterate type="el" backwards="0">
+                                    <p:tmAbs val="0"/>
+                                  </p:iterate>
+                                  <p:childTnLst>
+                                    <p:set>
+                                      <p:cBhvr>
+                                        <p:cTn id="36" fill="hold"/>
+                                        <p:tgtEl>
+                                          <p:spTgt spid="123">
+                                            <p:txEl>
+                                              <p:pRg st="7" end="7"/>
+                                            </p:txEl>
+                                          </p:spTgt>
+                                        </p:tgtEl>
+                                        <p:attrNameLst>
+                                          <p:attrName>style.visibility</p:attrName>
+                                        </p:attrNameLst>
+                                      </p:cBhvr>
+                                      <p:to>
+                                        <p:strVal val="visible"/>
+                                      </p:to>
+                                    </p:set>
+                                  </p:childTnLst>
+                                </p:cTn>
+                              </p:par>
+                            </p:childTnLst>
+                          </p:cTn>
+                        </p:par>
+                      </p:childTnLst>
+                    </p:cTn>
+                  </p:par>
+                </p:childTnLst>
+              </p:cTn>
+              <p:prevCondLst>
+                <p:cond evt="onPrev">
+                  <p:tgtEl>
+                    <p:sldTgt/>
+                  </p:tgtEl>
+                </p:cond>
+              </p:prevCondLst>
+              <p:nextCondLst>
+                <p:cond evt="onNext">
+                  <p:tgtEl>
+                    <p:sldTgt/>
+                  </p:tgtEl>
+                </p:cond>
+              </p:nextCondLst>
+            </p:seq>
+          </p:childTnLst>
+        </p:cTn>
+      </p:par>
+    </p:tnLst>
+    <p:bldLst>
+      <p:bldP build="p" bldLvl="5" animBg="1" rev="0" advAuto="0" spid="123" grpId="1"/>
     </p:bldLst>
   </p:timing>
 </p:sld>
@@ -10818,6 +10830,9 @@
               </a:spcBef>
               <a:buChar char="•"/>
             </a:pPr>
+            <a:r>
+              <a:t>At least one matching pair? (worst case)</a:t>
+            </a:r>
           </a:p>
           <a:p>
             <a:pPr lvl="1" marL="738187" indent="-342900">
@@ -10827,7 +10842,7 @@
               <a:buChar char="•"/>
             </a:pPr>
             <a:r>
-              <a:t>At least one matching pair? (worst case)</a:t>
+              <a:t>At least one matching pair in the best case? </a:t>
             </a:r>
           </a:p>
           <a:p>
@@ -10836,9 +10851,18 @@
                 <a:spcPts val="700"/>
               </a:spcBef>
               <a:buChar char="•"/>
+              <a:defRPr sz="2800"/>
             </a:pPr>
             <a:r>
-              <a:t>At least one matching pair in the best case? </a:t>
+              <a:t>At least one matching pair of each color? (worse case)</a:t>
+            </a:r>
+          </a:p>
+          <a:p>
+            <a:pPr marL="382587" indent="-342899">
+              <a:defRPr sz="2800"/>
+            </a:pPr>
+            <a:r>
+              <a:t>Ans:</a:t>
             </a:r>
           </a:p>
           <a:p>
@@ -10847,9 +10871,52 @@
                 <a:spcPts val="700"/>
               </a:spcBef>
               <a:buChar char="•"/>
+              <a:defRPr sz="2800"/>
             </a:pPr>
             <a:r>
-              <a:t>At least one matching pair of each color? (worse case)</a:t>
+              <a:t>one matching pair: worst case: </a:t>
+            </a:r>
+            <a:r>
+              <a:rPr>
+                <a:latin typeface="Courier New"/>
+                <a:ea typeface="Courier New"/>
+                <a:cs typeface="Courier New"/>
+                <a:sym typeface="Courier New"/>
+              </a:rPr>
+              <a:t>12</a:t>
+            </a:r>
+            <a:r>
+              <a:t>, best case: </a:t>
+            </a:r>
+            <a:r>
+              <a:rPr>
+                <a:latin typeface="Courier New"/>
+                <a:ea typeface="Courier New"/>
+                <a:cs typeface="Courier New"/>
+                <a:sym typeface="Courier New"/>
+              </a:rPr>
+              <a:t>2</a:t>
+            </a:r>
+          </a:p>
+          <a:p>
+            <a:pPr lvl="1" marL="738187" indent="-342900">
+              <a:spcBef>
+                <a:spcPts val="700"/>
+              </a:spcBef>
+              <a:buChar char="•"/>
+              <a:defRPr sz="2800"/>
+            </a:pPr>
+            <a:r>
+              <a:t>one matching pair of each color: </a:t>
+            </a:r>
+            <a:r>
+              <a:rPr>
+                <a:latin typeface="Courier New"/>
+                <a:ea typeface="Courier New"/>
+                <a:cs typeface="Courier New"/>
+                <a:sym typeface="Courier New"/>
+              </a:rPr>
+              <a:t>21</a:t>
             </a:r>
           </a:p>
         </p:txBody>
@@ -11339,6 +11406,102 @@
                       </p:childTnLst>
                     </p:cTn>
                   </p:par>
+                  <p:par>
+                    <p:cTn id="33" fill="hold">
+                      <p:stCondLst>
+                        <p:cond delay="indefinite"/>
+                      </p:stCondLst>
+                      <p:childTnLst>
+                        <p:par>
+                          <p:cTn id="34" fill="hold">
+                            <p:stCondLst>
+                              <p:cond delay="0"/>
+                            </p:stCondLst>
+                            <p:childTnLst>
+                              <p:par>
+                                <p:cTn id="35" presetClass="entr" nodeType="clickEffect" presetSubtype="0" presetID="1" grpId="1" fill="hold">
+                                  <p:stCondLst>
+                                    <p:cond delay="0"/>
+                                  </p:stCondLst>
+                                  <p:iterate type="el" backwards="0">
+                                    <p:tmAbs val="0"/>
+                                  </p:iterate>
+                                  <p:childTnLst>
+                                    <p:set>
+                                      <p:cBhvr>
+                                        <p:cTn id="36" fill="hold"/>
+                                        <p:tgtEl>
+                                          <p:spTgt spid="135">
+                                            <p:txEl>
+                                              <p:pRg st="7" end="7"/>
+                                            </p:txEl>
+                                          </p:spTgt>
+                                        </p:tgtEl>
+                                        <p:attrNameLst>
+                                          <p:attrName>style.visibility</p:attrName>
+                                        </p:attrNameLst>
+                                      </p:cBhvr>
+                                      <p:to>
+                                        <p:strVal val="visible"/>
+                                      </p:to>
+                                    </p:set>
+                                  </p:childTnLst>
+                                </p:cTn>
+                              </p:par>
+                            </p:childTnLst>
+                          </p:cTn>
+                        </p:par>
+                      </p:childTnLst>
+                    </p:cTn>
+                  </p:par>
+                  <p:par>
+                    <p:cTn id="37" fill="hold">
+                      <p:stCondLst>
+                        <p:cond delay="indefinite"/>
+                      </p:stCondLst>
+                      <p:childTnLst>
+                        <p:par>
+                          <p:cTn id="38" fill="hold">
+                            <p:stCondLst>
+                              <p:cond delay="0"/>
+                            </p:stCondLst>
+                            <p:childTnLst>
+                              <p:par>
+                                <p:cTn id="39" presetClass="entr" nodeType="clickEffect" presetSubtype="0" presetID="1" grpId="1" fill="hold">
+                                  <p:stCondLst>
+                                    <p:cond delay="0"/>
+                                  </p:stCondLst>
+                                  <p:iterate type="el" backwards="0">
+                                    <p:tmAbs val="0"/>
+                                  </p:iterate>
+                                  <p:childTnLst>
+                                    <p:set>
+                                      <p:cBhvr>
+                                        <p:cTn id="40" fill="hold"/>
+                                        <p:tgtEl>
+                                          <p:spTgt spid="135">
+                                            <p:txEl>
+                                              <p:pRg st="8" end="8"/>
+                                            </p:txEl>
+                                          </p:spTgt>
+                                        </p:tgtEl>
+                                        <p:attrNameLst>
+                                          <p:attrName>style.visibility</p:attrName>
+                                        </p:attrNameLst>
+                                      </p:cBhvr>
+                                      <p:to>
+                                        <p:strVal val="visible"/>
+                                      </p:to>
+                                    </p:set>
+                                  </p:childTnLst>
+                                </p:cTn>
+                              </p:par>
+                            </p:childTnLst>
+                          </p:cTn>
+                        </p:par>
+                      </p:childTnLst>
+                    </p:cTn>
+                  </p:par>
                 </p:childTnLst>
               </p:cTn>
               <p:prevCondLst>
@@ -11797,8 +11960,26 @@
                                   </p:childTnLst>
                                 </p:cTn>
                               </p:par>
+                            </p:childTnLst>
+                          </p:cTn>
+                        </p:par>
+                      </p:childTnLst>
+                    </p:cTn>
+                  </p:par>
+                  <p:par>
+                    <p:cTn id="9" fill="hold">
+                      <p:stCondLst>
+                        <p:cond delay="indefinite"/>
+                      </p:stCondLst>
+                      <p:childTnLst>
+                        <p:par>
+                          <p:cTn id="10" fill="hold">
+                            <p:stCondLst>
+                              <p:cond delay="0"/>
+                            </p:stCondLst>
+                            <p:childTnLst>
                               <p:par>
-                                <p:cTn id="9" presetClass="entr" nodeType="withEffect" presetSubtype="0" presetID="1" grpId="1" fill="hold">
+                                <p:cTn id="11" presetClass="entr" nodeType="clickEffect" presetSubtype="0" presetID="1" grpId="1" fill="hold">
                                   <p:stCondLst>
                                     <p:cond delay="0"/>
                                   </p:stCondLst>
@@ -11808,7 +11989,7 @@
                                   <p:childTnLst>
                                     <p:set>
                                       <p:cBhvr>
-                                        <p:cTn id="10" fill="hold"/>
+                                        <p:cTn id="12" fill="hold"/>
                                         <p:tgtEl>
                                           <p:spTgt spid="141">
                                             <p:txEl>
@@ -11827,8 +12008,26 @@
                                   </p:childTnLst>
                                 </p:cTn>
                               </p:par>
+                            </p:childTnLst>
+                          </p:cTn>
+                        </p:par>
+                      </p:childTnLst>
+                    </p:cTn>
+                  </p:par>
+                  <p:par>
+                    <p:cTn id="13" fill="hold">
+                      <p:stCondLst>
+                        <p:cond delay="indefinite"/>
+                      </p:stCondLst>
+                      <p:childTnLst>
+                        <p:par>
+                          <p:cTn id="14" fill="hold">
+                            <p:stCondLst>
+                              <p:cond delay="0"/>
+                            </p:stCondLst>
+                            <p:childTnLst>
                               <p:par>
-                                <p:cTn id="11" presetClass="entr" nodeType="withEffect" presetSubtype="0" presetID="1" grpId="1" fill="hold">
+                                <p:cTn id="15" presetClass="entr" nodeType="clickEffect" presetSubtype="0" presetID="1" grpId="1" fill="hold">
                                   <p:stCondLst>
                                     <p:cond delay="0"/>
                                   </p:stCondLst>
@@ -11838,7 +12037,7 @@
                                   <p:childTnLst>
                                     <p:set>
                                       <p:cBhvr>
-                                        <p:cTn id="12" fill="hold"/>
+                                        <p:cTn id="16" fill="hold"/>
                                         <p:tgtEl>
                                           <p:spTgt spid="141">
                                             <p:txEl>
@@ -11857,8 +12056,26 @@
                                   </p:childTnLst>
                                 </p:cTn>
                               </p:par>
+                            </p:childTnLst>
+                          </p:cTn>
+                        </p:par>
+                      </p:childTnLst>
+                    </p:cTn>
+                  </p:par>
+                  <p:par>
+                    <p:cTn id="17" fill="hold">
+                      <p:stCondLst>
+                        <p:cond delay="indefinite"/>
+                      </p:stCondLst>
+                      <p:childTnLst>
+                        <p:par>
+                          <p:cTn id="18" fill="hold">
+                            <p:stCondLst>
+                              <p:cond delay="0"/>
+                            </p:stCondLst>
+                            <p:childTnLst>
                               <p:par>
-                                <p:cTn id="13" presetClass="entr" nodeType="withEffect" presetSubtype="0" presetID="1" grpId="1" fill="hold">
+                                <p:cTn id="19" presetClass="entr" nodeType="clickEffect" presetSubtype="0" presetID="1" grpId="1" fill="hold">
                                   <p:stCondLst>
                                     <p:cond delay="0"/>
                                   </p:stCondLst>
@@ -11868,7 +12085,7 @@
                                   <p:childTnLst>
                                     <p:set>
                                       <p:cBhvr>
-                                        <p:cTn id="14" fill="hold"/>
+                                        <p:cTn id="20" fill="hold"/>
                                         <p:tgtEl>
                                           <p:spTgt spid="141">
                                             <p:txEl>
@@ -11894,19 +12111,19 @@
                     </p:cTn>
                   </p:par>
                   <p:par>
-                    <p:cTn id="15" fill="hold">
+                    <p:cTn id="21" fill="hold">
                       <p:stCondLst>
                         <p:cond delay="indefinite"/>
                       </p:stCondLst>
                       <p:childTnLst>
                         <p:par>
-                          <p:cTn id="16" fill="hold">
+                          <p:cTn id="22" fill="hold">
                             <p:stCondLst>
                               <p:cond delay="0"/>
                             </p:stCondLst>
                             <p:childTnLst>
                               <p:par>
-                                <p:cTn id="17" presetClass="entr" nodeType="clickEffect" presetSubtype="0" presetID="1" grpId="1" fill="hold">
+                                <p:cTn id="23" presetClass="entr" nodeType="clickEffect" presetSubtype="0" presetID="1" grpId="1" fill="hold">
                                   <p:stCondLst>
                                     <p:cond delay="0"/>
                                   </p:stCondLst>
@@ -11916,7 +12133,7 @@
                                   <p:childTnLst>
                                     <p:set>
                                       <p:cBhvr>
-                                        <p:cTn id="18" fill="hold"/>
+                                        <p:cTn id="24" fill="hold"/>
                                         <p:tgtEl>
                                           <p:spTgt spid="141">
                                             <p:txEl>
@@ -11935,8 +12152,26 @@
                                   </p:childTnLst>
                                 </p:cTn>
                               </p:par>
+                            </p:childTnLst>
+                          </p:cTn>
+                        </p:par>
+                      </p:childTnLst>
+                    </p:cTn>
+                  </p:par>
+                  <p:par>
+                    <p:cTn id="25" fill="hold">
+                      <p:stCondLst>
+                        <p:cond delay="indefinite"/>
+                      </p:stCondLst>
+                      <p:childTnLst>
+                        <p:par>
+                          <p:cTn id="26" fill="hold">
+                            <p:stCondLst>
+                              <p:cond delay="0"/>
+                            </p:stCondLst>
+                            <p:childTnLst>
                               <p:par>
-                                <p:cTn id="19" presetClass="entr" nodeType="withEffect" presetSubtype="0" presetID="1" grpId="1" fill="hold">
+                                <p:cTn id="27" presetClass="entr" nodeType="clickEffect" presetSubtype="0" presetID="1" grpId="1" fill="hold">
                                   <p:stCondLst>
                                     <p:cond delay="0"/>
                                   </p:stCondLst>
@@ -11946,7 +12181,7 @@
                                   <p:childTnLst>
                                     <p:set>
                                       <p:cBhvr>
-                                        <p:cTn id="20" fill="hold"/>
+                                        <p:cTn id="28" fill="hold"/>
                                         <p:tgtEl>
                                           <p:spTgt spid="141">
                                             <p:txEl>
@@ -11965,8 +12200,26 @@
                                   </p:childTnLst>
                                 </p:cTn>
                               </p:par>
+                            </p:childTnLst>
+                          </p:cTn>
+                        </p:par>
+                      </p:childTnLst>
+                    </p:cTn>
+                  </p:par>
+                  <p:par>
+                    <p:cTn id="29" fill="hold">
+                      <p:stCondLst>
+                        <p:cond delay="indefinite"/>
+                      </p:stCondLst>
+                      <p:childTnLst>
+                        <p:par>
+                          <p:cTn id="30" fill="hold">
+                            <p:stCondLst>
+                              <p:cond delay="0"/>
+                            </p:stCondLst>
+                            <p:childTnLst>
                               <p:par>
-                                <p:cTn id="21" presetClass="entr" nodeType="withEffect" presetSubtype="0" presetID="1" grpId="1" fill="hold">
+                                <p:cTn id="31" presetClass="entr" nodeType="clickEffect" presetSubtype="0" presetID="1" grpId="1" fill="hold">
                                   <p:stCondLst>
                                     <p:cond delay="0"/>
                                   </p:stCondLst>
@@ -11976,7 +12229,7 @@
                                   <p:childTnLst>
                                     <p:set>
                                       <p:cBhvr>
-                                        <p:cTn id="22" fill="hold"/>
+                                        <p:cTn id="32" fill="hold"/>
                                         <p:tgtEl>
                                           <p:spTgt spid="141">
                                             <p:txEl>
@@ -11995,8 +12248,26 @@
                                   </p:childTnLst>
                                 </p:cTn>
                               </p:par>
+                            </p:childTnLst>
+                          </p:cTn>
+                        </p:par>
+                      </p:childTnLst>
+                    </p:cTn>
+                  </p:par>
+                  <p:par>
+                    <p:cTn id="33" fill="hold">
+                      <p:stCondLst>
+                        <p:cond delay="indefinite"/>
+                      </p:stCondLst>
+                      <p:childTnLst>
+                        <p:par>
+                          <p:cTn id="34" fill="hold">
+                            <p:stCondLst>
+                              <p:cond delay="0"/>
+                            </p:stCondLst>
+                            <p:childTnLst>
                               <p:par>
-                                <p:cTn id="23" presetClass="entr" nodeType="withEffect" presetSubtype="0" presetID="1" grpId="1" fill="hold">
+                                <p:cTn id="35" presetClass="entr" nodeType="clickEffect" presetSubtype="0" presetID="1" grpId="1" fill="hold">
                                   <p:stCondLst>
                                     <p:cond delay="0"/>
                                   </p:stCondLst>
@@ -12006,7 +12277,7 @@
                                   <p:childTnLst>
                                     <p:set>
                                       <p:cBhvr>
-                                        <p:cTn id="24" fill="hold"/>
+                                        <p:cTn id="36" fill="hold"/>
                                         <p:tgtEl>
                                           <p:spTgt spid="141">
                                             <p:txEl>
@@ -12053,7 +12324,7 @@
       </p:par>
     </p:tnLst>
     <p:bldLst>
-      <p:bldP build="p" bldLvl="1" animBg="1" rev="0" advAuto="0" spid="141" grpId="1"/>
+      <p:bldP build="p" bldLvl="5" animBg="1" rev="0" advAuto="0" spid="141" grpId="1"/>
     </p:bldLst>
   </p:timing>
 </p:sld>
@@ -13647,7 +13918,7 @@
               </a:defRPr>
             </a:pPr>
             <a:r>
-              <a:t>From pactical point of view:</a:t>
+              <a:t>From practical point of view:</a:t>
             </a:r>
           </a:p>
           <a:p>
